--- a/SIG02-logging/Logging.pptx
+++ b/SIG02-logging/Logging.pptx
@@ -5,16 +5,26 @@
     <p:sldMasterId id="2147483672" r:id="rId4"/>
   </p:sldMasterIdLst>
   <p:notesMasterIdLst>
-    <p:notesMasterId r:id="rId12"/>
+    <p:notesMasterId r:id="rId22"/>
   </p:notesMasterIdLst>
   <p:sldIdLst>
     <p:sldId id="297" r:id="rId5"/>
     <p:sldId id="273" r:id="rId6"/>
-    <p:sldId id="282" r:id="rId7"/>
-    <p:sldId id="295" r:id="rId8"/>
-    <p:sldId id="293" r:id="rId9"/>
-    <p:sldId id="296" r:id="rId10"/>
-    <p:sldId id="298" r:id="rId11"/>
+    <p:sldId id="302" r:id="rId7"/>
+    <p:sldId id="303" r:id="rId8"/>
+    <p:sldId id="307" r:id="rId9"/>
+    <p:sldId id="304" r:id="rId10"/>
+    <p:sldId id="282" r:id="rId11"/>
+    <p:sldId id="308" r:id="rId12"/>
+    <p:sldId id="305" r:id="rId13"/>
+    <p:sldId id="306" r:id="rId14"/>
+    <p:sldId id="293" r:id="rId15"/>
+    <p:sldId id="295" r:id="rId16"/>
+    <p:sldId id="296" r:id="rId17"/>
+    <p:sldId id="299" r:id="rId18"/>
+    <p:sldId id="300" r:id="rId19"/>
+    <p:sldId id="301" r:id="rId20"/>
+    <p:sldId id="298" r:id="rId21"/>
   </p:sldIdLst>
   <p:sldSz cx="9144000" cy="5143500" type="screen16x9"/>
   <p:notesSz cx="6858000" cy="9144000"/>
@@ -203,7 +213,7 @@
           <a:p>
             <a:fld id="{DDF2FCE7-7AFA-9242-BECB-A61CE0BE95A1}" type="datetimeFigureOut">
               <a:rPr lang="nl-NL" smtClean="0"/>
-              <a:t>8-3-2019</a:t>
+              <a:t>12-3-2019</a:t>
             </a:fld>
             <a:endParaRPr lang="nl-NL"/>
           </a:p>
@@ -830,7 +840,7 @@
           <a:p>
             <a:fld id="{A9710CDB-38B1-8E43-A846-6FE3B07A872E}" type="datetime1">
               <a:rPr lang="en-US" noProof="0" smtClean="0"/>
-              <a:t>3/8/2019</a:t>
+              <a:t>3/12/2019</a:t>
             </a:fld>
             <a:endParaRPr lang="nl-NL" noProof="0" dirty="0"/>
           </a:p>
@@ -1224,7 +1234,7 @@
           <a:p>
             <a:fld id="{12D8B67E-1464-254D-876A-5A059C6CA686}" type="datetime1">
               <a:rPr lang="en-US" smtClean="0"/>
-              <a:t>3/8/2019</a:t>
+              <a:t>3/12/2019</a:t>
             </a:fld>
             <a:endParaRPr lang="nl-NL"/>
           </a:p>
@@ -1642,7 +1652,7 @@
           <a:p>
             <a:fld id="{1297756A-AF1A-B249-A7CF-A1AE4E86FA38}" type="datetime1">
               <a:rPr lang="en-US" smtClean="0"/>
-              <a:t>3/8/2019</a:t>
+              <a:t>3/12/2019</a:t>
             </a:fld>
             <a:endParaRPr lang="nl-NL"/>
           </a:p>
@@ -2002,7 +2012,7 @@
           <a:p>
             <a:fld id="{37C8E900-D3BD-ED44-9070-3471A5611DC2}" type="datetime1">
               <a:rPr lang="en-US" smtClean="0"/>
-              <a:t>3/8/2019</a:t>
+              <a:t>3/12/2019</a:t>
             </a:fld>
             <a:endParaRPr lang="nl-NL"/>
           </a:p>
@@ -2179,7 +2189,7 @@
           <a:p>
             <a:fld id="{203D5A3F-EB4E-3340-8D19-07B028CB11AD}" type="datetime1">
               <a:rPr lang="en-US" smtClean="0"/>
-              <a:t>3/8/2019</a:t>
+              <a:t>3/12/2019</a:t>
             </a:fld>
             <a:endParaRPr lang="nl-NL"/>
           </a:p>
@@ -3105,7 +3115,7 @@
           <a:p>
             <a:fld id="{405216DA-0E4B-CC41-ACBF-76C3BC02E189}" type="datetime1">
               <a:rPr lang="en-US" smtClean="0"/>
-              <a:t>3/8/2019</a:t>
+              <a:t>3/12/2019</a:t>
             </a:fld>
             <a:endParaRPr lang="nl-NL"/>
           </a:p>
@@ -3352,7 +3362,7 @@
           <a:p>
             <a:fld id="{779D8D44-D820-BB49-9309-B66E37C4EE70}" type="datetime1">
               <a:rPr lang="en-US" smtClean="0"/>
-              <a:t>3/8/2019</a:t>
+              <a:t>3/12/2019</a:t>
             </a:fld>
             <a:endParaRPr lang="nl-NL"/>
           </a:p>
@@ -3601,7 +3611,7 @@
           <a:p>
             <a:fld id="{A4AB6030-B80C-7C4C-B97F-1ADFAB53E146}" type="datetime1">
               <a:rPr lang="en-US" smtClean="0"/>
-              <a:t>3/8/2019</a:t>
+              <a:t>3/12/2019</a:t>
             </a:fld>
             <a:endParaRPr lang="nl-NL"/>
           </a:p>
@@ -3767,7 +3777,7 @@
           <a:p>
             <a:fld id="{DA73B474-0AB7-8846-BA6A-67033A8CF4FA}" type="datetime1">
               <a:rPr lang="en-US" smtClean="0"/>
-              <a:t>3/8/2019</a:t>
+              <a:t>3/12/2019</a:t>
             </a:fld>
             <a:endParaRPr lang="nl-NL"/>
           </a:p>
@@ -4228,7 +4238,7 @@
           <a:p>
             <a:fld id="{56BA50C8-7311-E14C-816D-7251E320C8DC}" type="datetime1">
               <a:rPr lang="en-US" smtClean="0"/>
-              <a:t>3/8/2019</a:t>
+              <a:t>3/12/2019</a:t>
             </a:fld>
             <a:endParaRPr lang="nl-NL"/>
           </a:p>
@@ -4839,7 +4849,7 @@
           <a:p>
             <a:fld id="{A9710CDB-38B1-8E43-A846-6FE3B07A872E}" type="datetime1">
               <a:rPr lang="en-US" noProof="0" smtClean="0"/>
-              <a:t>3/8/2019</a:t>
+              <a:t>3/12/2019</a:t>
             </a:fld>
             <a:endParaRPr lang="nl-NL" noProof="0" dirty="0"/>
           </a:p>
@@ -5153,7 +5163,7 @@
           <a:p>
             <a:fld id="{E300D605-E2BB-8B4E-A2F3-5A64231C34A6}" type="datetime1">
               <a:rPr lang="en-US" smtClean="0"/>
-              <a:t>3/8/2019</a:t>
+              <a:t>3/12/2019</a:t>
             </a:fld>
             <a:endParaRPr lang="nl-NL"/>
           </a:p>
@@ -5607,7 +5617,7 @@
           <p:cNvPr id="5" name="Titel 4">
             <a:extLst>
               <a:ext uri="{FF2B5EF4-FFF2-40B4-BE49-F238E27FC236}">
-                <a16:creationId xmlns:a16="http://schemas.microsoft.com/office/drawing/2014/main" id="{6975EE21-81C6-48CB-B9DE-21908D96F779}"/>
+                <a16:creationId xmlns="" xmlns:a16="http://schemas.microsoft.com/office/drawing/2014/main" id="{6975EE21-81C6-48CB-B9DE-21908D96F779}"/>
               </a:ext>
             </a:extLst>
           </p:cNvPr>
@@ -5627,7 +5637,7 @@
               <a:rPr lang="en-US" dirty="0"/>
               <a:t>Kubernetes container platform</a:t>
             </a:r>
-            <a:endParaRPr lang="en-NL" dirty="0"/>
+            <a:endParaRPr lang="x-none" dirty="0"/>
           </a:p>
         </p:txBody>
       </p:sp>
@@ -5636,7 +5646,7 @@
           <p:cNvPr id="8" name="Tijdelijke aanduiding voor afbeelding 7">
             <a:extLst>
               <a:ext uri="{FF2B5EF4-FFF2-40B4-BE49-F238E27FC236}">
-                <a16:creationId xmlns:a16="http://schemas.microsoft.com/office/drawing/2014/main" id="{A9585DE4-9793-4611-919A-4DA452067348}"/>
+                <a16:creationId xmlns="" xmlns:a16="http://schemas.microsoft.com/office/drawing/2014/main" id="{A9585DE4-9793-4611-919A-4DA452067348}"/>
               </a:ext>
             </a:extLst>
           </p:cNvPr>
@@ -5660,6 +5670,1492 @@
     <p:extLst>
       <p:ext uri="{BB962C8B-B14F-4D97-AF65-F5344CB8AC3E}">
         <p14:creationId xmlns:p14="http://schemas.microsoft.com/office/powerpoint/2010/main" val="2697372823"/>
+      </p:ext>
+    </p:extLst>
+  </p:cSld>
+  <p:clrMapOvr>
+    <a:masterClrMapping/>
+  </p:clrMapOvr>
+  <p:timing>
+    <p:tnLst>
+      <p:par>
+        <p:cTn id="1" dur="indefinite" restart="never" nodeType="tmRoot"/>
+      </p:par>
+    </p:tnLst>
+  </p:timing>
+</p:sld>
+</file>
+
+<file path=ppt/slides/slide10.xml><?xml version="1.0" encoding="utf-8"?>
+<p:sld xmlns:a="http://schemas.openxmlformats.org/drawingml/2006/main" xmlns:r="http://schemas.openxmlformats.org/officeDocument/2006/relationships" xmlns:p="http://schemas.openxmlformats.org/presentationml/2006/main">
+  <p:cSld>
+    <p:spTree>
+      <p:nvGrpSpPr>
+        <p:cNvPr id="1" name=""/>
+        <p:cNvGrpSpPr/>
+        <p:nvPr/>
+      </p:nvGrpSpPr>
+      <p:grpSpPr>
+        <a:xfrm>
+          <a:off x="0" y="0"/>
+          <a:ext cx="0" cy="0"/>
+          <a:chOff x="0" y="0"/>
+          <a:chExt cx="0" cy="0"/>
+        </a:xfrm>
+      </p:grpSpPr>
+      <p:sp>
+        <p:nvSpPr>
+          <p:cNvPr id="3" name="Titel 2">
+            <a:extLst>
+              <a:ext uri="{FF2B5EF4-FFF2-40B4-BE49-F238E27FC236}">
+                <a16:creationId xmlns="" xmlns:a16="http://schemas.microsoft.com/office/drawing/2014/main" id="{4E237F76-8D85-49C2-A26A-118908737EF4}"/>
+              </a:ext>
+            </a:extLst>
+          </p:cNvPr>
+          <p:cNvSpPr>
+            <a:spLocks noGrp="1"/>
+          </p:cNvSpPr>
+          <p:nvPr>
+            <p:ph type="title"/>
+          </p:nvPr>
+        </p:nvSpPr>
+        <p:spPr/>
+        <p:txBody>
+          <a:bodyPr/>
+          <a:lstStyle/>
+          <a:p>
+            <a:r>
+              <a:rPr lang="en-US" dirty="0" smtClean="0"/>
+              <a:t>Streaming sidecar container</a:t>
+            </a:r>
+            <a:endParaRPr lang="x-none" dirty="0"/>
+          </a:p>
+        </p:txBody>
+      </p:sp>
+      <p:pic>
+        <p:nvPicPr>
+          <p:cNvPr id="2" name="Afbeelding 1"/>
+          <p:cNvPicPr>
+            <a:picLocks noChangeAspect="1"/>
+          </p:cNvPicPr>
+          <p:nvPr/>
+        </p:nvPicPr>
+        <p:blipFill>
+          <a:blip r:embed="rId2"/>
+          <a:stretch>
+            <a:fillRect/>
+          </a:stretch>
+        </p:blipFill>
+        <p:spPr>
+          <a:xfrm>
+            <a:off x="1982475" y="1193546"/>
+            <a:ext cx="4521077" cy="2894143"/>
+          </a:xfrm>
+          <a:prstGeom prst="rect">
+            <a:avLst/>
+          </a:prstGeom>
+        </p:spPr>
+      </p:pic>
+    </p:spTree>
+    <p:extLst>
+      <p:ext uri="{BB962C8B-B14F-4D97-AF65-F5344CB8AC3E}">
+        <p14:creationId xmlns:p14="http://schemas.microsoft.com/office/powerpoint/2010/main" val="2263264610"/>
+      </p:ext>
+    </p:extLst>
+  </p:cSld>
+  <p:clrMapOvr>
+    <a:masterClrMapping/>
+  </p:clrMapOvr>
+</p:sld>
+</file>
+
+<file path=ppt/slides/slide11.xml><?xml version="1.0" encoding="utf-8"?>
+<p:sld xmlns:a="http://schemas.openxmlformats.org/drawingml/2006/main" xmlns:r="http://schemas.openxmlformats.org/officeDocument/2006/relationships" xmlns:p="http://schemas.openxmlformats.org/presentationml/2006/main">
+  <p:cSld>
+    <p:spTree>
+      <p:nvGrpSpPr>
+        <p:cNvPr id="1" name=""/>
+        <p:cNvGrpSpPr/>
+        <p:nvPr/>
+      </p:nvGrpSpPr>
+      <p:grpSpPr>
+        <a:xfrm>
+          <a:off x="0" y="0"/>
+          <a:ext cx="0" cy="0"/>
+          <a:chOff x="0" y="0"/>
+          <a:chExt cx="0" cy="0"/>
+        </a:xfrm>
+      </p:grpSpPr>
+      <p:sp>
+        <p:nvSpPr>
+          <p:cNvPr id="3" name="Titel 2">
+            <a:extLst>
+              <a:ext uri="{FF2B5EF4-FFF2-40B4-BE49-F238E27FC236}">
+                <a16:creationId xmlns="" xmlns:a16="http://schemas.microsoft.com/office/drawing/2014/main" id="{4E237F76-8D85-49C2-A26A-118908737EF4}"/>
+              </a:ext>
+            </a:extLst>
+          </p:cNvPr>
+          <p:cNvSpPr>
+            <a:spLocks noGrp="1"/>
+          </p:cNvSpPr>
+          <p:nvPr>
+            <p:ph type="title"/>
+          </p:nvPr>
+        </p:nvSpPr>
+        <p:spPr/>
+        <p:txBody>
+          <a:bodyPr/>
+          <a:lstStyle/>
+          <a:p>
+            <a:r>
+              <a:rPr lang="en-US" dirty="0" smtClean="0"/>
+              <a:t>Exposing logs directly from the container</a:t>
+            </a:r>
+            <a:endParaRPr lang="x-none" dirty="0"/>
+          </a:p>
+        </p:txBody>
+      </p:sp>
+      <p:pic>
+        <p:nvPicPr>
+          <p:cNvPr id="4" name="Afbeelding 3"/>
+          <p:cNvPicPr>
+            <a:picLocks noChangeAspect="1"/>
+          </p:cNvPicPr>
+          <p:nvPr/>
+        </p:nvPicPr>
+        <p:blipFill>
+          <a:blip r:embed="rId2"/>
+          <a:stretch>
+            <a:fillRect/>
+          </a:stretch>
+        </p:blipFill>
+        <p:spPr>
+          <a:xfrm>
+            <a:off x="1762125" y="1762125"/>
+            <a:ext cx="5619750" cy="1619250"/>
+          </a:xfrm>
+          <a:prstGeom prst="rect">
+            <a:avLst/>
+          </a:prstGeom>
+        </p:spPr>
+      </p:pic>
+    </p:spTree>
+    <p:extLst>
+      <p:ext uri="{BB962C8B-B14F-4D97-AF65-F5344CB8AC3E}">
+        <p14:creationId xmlns:p14="http://schemas.microsoft.com/office/powerpoint/2010/main" val="2066195230"/>
+      </p:ext>
+    </p:extLst>
+  </p:cSld>
+  <p:clrMapOvr>
+    <a:masterClrMapping/>
+  </p:clrMapOvr>
+</p:sld>
+</file>
+
+<file path=ppt/slides/slide12.xml><?xml version="1.0" encoding="utf-8"?>
+<p:sld xmlns:a="http://schemas.openxmlformats.org/drawingml/2006/main" xmlns:r="http://schemas.openxmlformats.org/officeDocument/2006/relationships" xmlns:p="http://schemas.openxmlformats.org/presentationml/2006/main">
+  <p:cSld>
+    <p:spTree>
+      <p:nvGrpSpPr>
+        <p:cNvPr id="1" name=""/>
+        <p:cNvGrpSpPr/>
+        <p:nvPr/>
+      </p:nvGrpSpPr>
+      <p:grpSpPr>
+        <a:xfrm>
+          <a:off x="0" y="0"/>
+          <a:ext cx="0" cy="0"/>
+          <a:chOff x="0" y="0"/>
+          <a:chExt cx="0" cy="0"/>
+        </a:xfrm>
+      </p:grpSpPr>
+      <p:sp>
+        <p:nvSpPr>
+          <p:cNvPr id="5" name="Titel 4">
+            <a:extLst>
+              <a:ext uri="{FF2B5EF4-FFF2-40B4-BE49-F238E27FC236}">
+                <a16:creationId xmlns="" xmlns:a16="http://schemas.microsoft.com/office/drawing/2014/main" id="{462619B2-13A4-4BFC-B51A-BB78C0471E5A}"/>
+              </a:ext>
+            </a:extLst>
+          </p:cNvPr>
+          <p:cNvSpPr>
+            <a:spLocks noGrp="1"/>
+          </p:cNvSpPr>
+          <p:nvPr>
+            <p:ph type="title"/>
+          </p:nvPr>
+        </p:nvSpPr>
+        <p:spPr/>
+        <p:txBody>
+          <a:bodyPr/>
+          <a:lstStyle/>
+          <a:p>
+            <a:r>
+              <a:rPr lang="en-US" dirty="0"/>
+              <a:t>ELK </a:t>
+            </a:r>
+            <a:r>
+              <a:rPr lang="en-US" dirty="0" err="1"/>
+              <a:t>en</a:t>
+            </a:r>
+            <a:r>
+              <a:rPr lang="en-US" dirty="0"/>
+              <a:t> EFK</a:t>
+            </a:r>
+            <a:endParaRPr lang="x-none" dirty="0"/>
+          </a:p>
+        </p:txBody>
+      </p:sp>
+      <p:pic>
+        <p:nvPicPr>
+          <p:cNvPr id="14" name="Afbeelding 13">
+            <a:extLst>
+              <a:ext uri="{FF2B5EF4-FFF2-40B4-BE49-F238E27FC236}">
+                <a16:creationId xmlns="" xmlns:a16="http://schemas.microsoft.com/office/drawing/2014/main" id="{C1CFBDE8-3F0D-4600-8BAD-613C38FF6CD4}"/>
+              </a:ext>
+            </a:extLst>
+          </p:cNvPr>
+          <p:cNvPicPr>
+            <a:picLocks noChangeAspect="1"/>
+          </p:cNvPicPr>
+          <p:nvPr/>
+        </p:nvPicPr>
+        <p:blipFill>
+          <a:blip r:embed="rId2"/>
+          <a:stretch>
+            <a:fillRect/>
+          </a:stretch>
+        </p:blipFill>
+        <p:spPr>
+          <a:xfrm>
+            <a:off x="981073" y="1258565"/>
+            <a:ext cx="6661421" cy="3132424"/>
+          </a:xfrm>
+          <a:prstGeom prst="rect">
+            <a:avLst/>
+          </a:prstGeom>
+        </p:spPr>
+      </p:pic>
+    </p:spTree>
+    <p:extLst>
+      <p:ext uri="{BB962C8B-B14F-4D97-AF65-F5344CB8AC3E}">
+        <p14:creationId xmlns:p14="http://schemas.microsoft.com/office/powerpoint/2010/main" val="1064619819"/>
+      </p:ext>
+    </p:extLst>
+  </p:cSld>
+  <p:clrMapOvr>
+    <a:masterClrMapping/>
+  </p:clrMapOvr>
+</p:sld>
+</file>
+
+<file path=ppt/slides/slide13.xml><?xml version="1.0" encoding="utf-8"?>
+<p:sld xmlns:a="http://schemas.openxmlformats.org/drawingml/2006/main" xmlns:r="http://schemas.openxmlformats.org/officeDocument/2006/relationships" xmlns:p="http://schemas.openxmlformats.org/presentationml/2006/main">
+  <p:cSld>
+    <p:spTree>
+      <p:nvGrpSpPr>
+        <p:cNvPr id="1" name=""/>
+        <p:cNvGrpSpPr/>
+        <p:nvPr/>
+      </p:nvGrpSpPr>
+      <p:grpSpPr>
+        <a:xfrm>
+          <a:off x="0" y="0"/>
+          <a:ext cx="0" cy="0"/>
+          <a:chOff x="0" y="0"/>
+          <a:chExt cx="0" cy="0"/>
+        </a:xfrm>
+      </p:grpSpPr>
+      <p:sp>
+        <p:nvSpPr>
+          <p:cNvPr id="2" name="Titel 1">
+            <a:extLst>
+              <a:ext uri="{FF2B5EF4-FFF2-40B4-BE49-F238E27FC236}">
+                <a16:creationId xmlns="" xmlns:a16="http://schemas.microsoft.com/office/drawing/2014/main" id="{59D143EF-A71B-4718-A6E7-EEB286C75A98}"/>
+              </a:ext>
+            </a:extLst>
+          </p:cNvPr>
+          <p:cNvSpPr>
+            <a:spLocks noGrp="1"/>
+          </p:cNvSpPr>
+          <p:nvPr>
+            <p:ph type="title"/>
+          </p:nvPr>
+        </p:nvSpPr>
+        <p:spPr/>
+        <p:txBody>
+          <a:bodyPr/>
+          <a:lstStyle/>
+          <a:p>
+            <a:r>
+              <a:rPr lang="en-US" dirty="0"/>
+              <a:t>Logstash vs </a:t>
+            </a:r>
+            <a:r>
+              <a:rPr lang="en-US" dirty="0" err="1"/>
+              <a:t>Fluentd</a:t>
+            </a:r>
+            <a:endParaRPr lang="x-none" dirty="0"/>
+          </a:p>
+        </p:txBody>
+      </p:sp>
+      <p:pic>
+        <p:nvPicPr>
+          <p:cNvPr id="8" name="Afbeelding 7">
+            <a:extLst>
+              <a:ext uri="{FF2B5EF4-FFF2-40B4-BE49-F238E27FC236}">
+                <a16:creationId xmlns="" xmlns:a16="http://schemas.microsoft.com/office/drawing/2014/main" id="{03A3FABC-5EFC-4F39-A1F9-1958537B991E}"/>
+              </a:ext>
+            </a:extLst>
+          </p:cNvPr>
+          <p:cNvPicPr>
+            <a:picLocks noChangeAspect="1"/>
+          </p:cNvPicPr>
+          <p:nvPr/>
+        </p:nvPicPr>
+        <p:blipFill>
+          <a:blip r:embed="rId2"/>
+          <a:stretch>
+            <a:fillRect/>
+          </a:stretch>
+        </p:blipFill>
+        <p:spPr>
+          <a:xfrm>
+            <a:off x="625872" y="900903"/>
+            <a:ext cx="6760185" cy="2688600"/>
+          </a:xfrm>
+          <a:prstGeom prst="rect">
+            <a:avLst/>
+          </a:prstGeom>
+        </p:spPr>
+      </p:pic>
+      <p:pic>
+        <p:nvPicPr>
+          <p:cNvPr id="9" name="Afbeelding 8">
+            <a:extLst>
+              <a:ext uri="{FF2B5EF4-FFF2-40B4-BE49-F238E27FC236}">
+                <a16:creationId xmlns="" xmlns:a16="http://schemas.microsoft.com/office/drawing/2014/main" id="{A339BB9E-44FB-41B3-9763-4FD88583DC33}"/>
+              </a:ext>
+            </a:extLst>
+          </p:cNvPr>
+          <p:cNvPicPr>
+            <a:picLocks noChangeAspect="1"/>
+          </p:cNvPicPr>
+          <p:nvPr/>
+        </p:nvPicPr>
+        <p:blipFill>
+          <a:blip r:embed="rId3"/>
+          <a:stretch>
+            <a:fillRect/>
+          </a:stretch>
+        </p:blipFill>
+        <p:spPr>
+          <a:xfrm>
+            <a:off x="1332795" y="3450272"/>
+            <a:ext cx="6292827" cy="1454039"/>
+          </a:xfrm>
+          <a:prstGeom prst="rect">
+            <a:avLst/>
+          </a:prstGeom>
+        </p:spPr>
+      </p:pic>
+    </p:spTree>
+    <p:extLst>
+      <p:ext uri="{BB962C8B-B14F-4D97-AF65-F5344CB8AC3E}">
+        <p14:creationId xmlns:p14="http://schemas.microsoft.com/office/powerpoint/2010/main" val="753150340"/>
+      </p:ext>
+    </p:extLst>
+  </p:cSld>
+  <p:clrMapOvr>
+    <a:masterClrMapping/>
+  </p:clrMapOvr>
+</p:sld>
+</file>
+
+<file path=ppt/slides/slide14.xml><?xml version="1.0" encoding="utf-8"?>
+<p:sld xmlns:a="http://schemas.openxmlformats.org/drawingml/2006/main" xmlns:r="http://schemas.openxmlformats.org/officeDocument/2006/relationships" xmlns:p="http://schemas.openxmlformats.org/presentationml/2006/main">
+  <p:cSld>
+    <p:spTree>
+      <p:nvGrpSpPr>
+        <p:cNvPr id="1" name=""/>
+        <p:cNvGrpSpPr/>
+        <p:nvPr/>
+      </p:nvGrpSpPr>
+      <p:grpSpPr>
+        <a:xfrm>
+          <a:off x="0" y="0"/>
+          <a:ext cx="0" cy="0"/>
+          <a:chOff x="0" y="0"/>
+          <a:chExt cx="0" cy="0"/>
+        </a:xfrm>
+      </p:grpSpPr>
+      <p:sp>
+        <p:nvSpPr>
+          <p:cNvPr id="2" name="Tijdelijke aanduiding voor voettekst 1"/>
+          <p:cNvSpPr>
+            <a:spLocks noGrp="1"/>
+          </p:cNvSpPr>
+          <p:nvPr>
+            <p:ph type="ftr" sz="quarter" idx="11"/>
+          </p:nvPr>
+        </p:nvSpPr>
+        <p:spPr/>
+        <p:txBody>
+          <a:bodyPr/>
+          <a:lstStyle/>
+          <a:p>
+            <a:r>
+              <a:rPr lang="nl-NL" smtClean="0"/>
+              <a:t>Titel van de presentatie</a:t>
+            </a:r>
+            <a:endParaRPr lang="nl-NL"/>
+          </a:p>
+        </p:txBody>
+      </p:sp>
+      <p:sp>
+        <p:nvSpPr>
+          <p:cNvPr id="3" name="Tijdelijke aanduiding voor dianummer 2"/>
+          <p:cNvSpPr>
+            <a:spLocks noGrp="1"/>
+          </p:cNvSpPr>
+          <p:nvPr>
+            <p:ph type="sldNum" sz="quarter" idx="12"/>
+          </p:nvPr>
+        </p:nvSpPr>
+        <p:spPr/>
+        <p:txBody>
+          <a:bodyPr/>
+          <a:lstStyle/>
+          <a:p>
+            <a:fld id="{14F1411D-0280-154F-AEAC-4C20B7AA46B2}" type="slidenum">
+              <a:rPr lang="nl-NL" smtClean="0"/>
+              <a:t>14</a:t>
+            </a:fld>
+            <a:endParaRPr lang="nl-NL"/>
+          </a:p>
+        </p:txBody>
+      </p:sp>
+      <p:sp>
+        <p:nvSpPr>
+          <p:cNvPr id="6" name="Titel 5"/>
+          <p:cNvSpPr>
+            <a:spLocks noGrp="1"/>
+          </p:cNvSpPr>
+          <p:nvPr>
+            <p:ph type="title"/>
+          </p:nvPr>
+        </p:nvSpPr>
+        <p:spPr/>
+        <p:txBody>
+          <a:bodyPr/>
+          <a:lstStyle/>
+          <a:p>
+            <a:r>
+              <a:rPr lang="nl-NL" dirty="0" smtClean="0"/>
+              <a:t>Event routing</a:t>
+            </a:r>
+            <a:endParaRPr lang="nl-NL" dirty="0"/>
+          </a:p>
+        </p:txBody>
+      </p:sp>
+      <p:pic>
+        <p:nvPicPr>
+          <p:cNvPr id="8" name="Afbeelding 7"/>
+          <p:cNvPicPr>
+            <a:picLocks noChangeAspect="1"/>
+          </p:cNvPicPr>
+          <p:nvPr/>
+        </p:nvPicPr>
+        <p:blipFill>
+          <a:blip r:embed="rId2"/>
+          <a:stretch>
+            <a:fillRect/>
+          </a:stretch>
+        </p:blipFill>
+        <p:spPr>
+          <a:xfrm>
+            <a:off x="2316042" y="1300358"/>
+            <a:ext cx="6153150" cy="1304925"/>
+          </a:xfrm>
+          <a:prstGeom prst="rect">
+            <a:avLst/>
+          </a:prstGeom>
+        </p:spPr>
+      </p:pic>
+      <p:pic>
+        <p:nvPicPr>
+          <p:cNvPr id="9" name="Afbeelding 8"/>
+          <p:cNvPicPr>
+            <a:picLocks noChangeAspect="1"/>
+          </p:cNvPicPr>
+          <p:nvPr/>
+        </p:nvPicPr>
+        <p:blipFill>
+          <a:blip r:embed="rId3"/>
+          <a:stretch>
+            <a:fillRect/>
+          </a:stretch>
+        </p:blipFill>
+        <p:spPr>
+          <a:xfrm>
+            <a:off x="2316042" y="2996056"/>
+            <a:ext cx="6172200" cy="895350"/>
+          </a:xfrm>
+          <a:prstGeom prst="rect">
+            <a:avLst/>
+          </a:prstGeom>
+        </p:spPr>
+      </p:pic>
+      <p:pic>
+        <p:nvPicPr>
+          <p:cNvPr id="10" name="Afbeelding 9"/>
+          <p:cNvPicPr>
+            <a:picLocks noChangeAspect="1"/>
+          </p:cNvPicPr>
+          <p:nvPr/>
+        </p:nvPicPr>
+        <p:blipFill>
+          <a:blip r:embed="rId4">
+            <a:extLst>
+              <a:ext uri="{28A0092B-C50C-407E-A947-70E740481C1C}">
+                <a14:useLocalDpi xmlns:a14="http://schemas.microsoft.com/office/drawing/2010/main" val="0"/>
+              </a:ext>
+            </a:extLst>
+          </a:blip>
+          <a:stretch>
+            <a:fillRect/>
+          </a:stretch>
+        </p:blipFill>
+        <p:spPr>
+          <a:xfrm>
+            <a:off x="1034196" y="2996056"/>
+            <a:ext cx="1035660" cy="671880"/>
+          </a:xfrm>
+          <a:prstGeom prst="rect">
+            <a:avLst/>
+          </a:prstGeom>
+        </p:spPr>
+      </p:pic>
+      <p:pic>
+        <p:nvPicPr>
+          <p:cNvPr id="11" name="Afbeelding 10"/>
+          <p:cNvPicPr>
+            <a:picLocks noChangeAspect="1"/>
+          </p:cNvPicPr>
+          <p:nvPr/>
+        </p:nvPicPr>
+        <p:blipFill>
+          <a:blip r:embed="rId5">
+            <a:extLst>
+              <a:ext uri="{28A0092B-C50C-407E-A947-70E740481C1C}">
+                <a14:useLocalDpi xmlns:a14="http://schemas.microsoft.com/office/drawing/2010/main" val="0"/>
+              </a:ext>
+            </a:extLst>
+          </a:blip>
+          <a:stretch>
+            <a:fillRect/>
+          </a:stretch>
+        </p:blipFill>
+        <p:spPr>
+          <a:xfrm>
+            <a:off x="584669" y="1412752"/>
+            <a:ext cx="1485187" cy="481276"/>
+          </a:xfrm>
+          <a:prstGeom prst="rect">
+            <a:avLst/>
+          </a:prstGeom>
+        </p:spPr>
+      </p:pic>
+    </p:spTree>
+    <p:extLst>
+      <p:ext uri="{BB962C8B-B14F-4D97-AF65-F5344CB8AC3E}">
+        <p14:creationId xmlns:p14="http://schemas.microsoft.com/office/powerpoint/2010/main" val="2178925688"/>
+      </p:ext>
+    </p:extLst>
+  </p:cSld>
+  <p:clrMapOvr>
+    <a:masterClrMapping/>
+  </p:clrMapOvr>
+</p:sld>
+</file>
+
+<file path=ppt/slides/slide15.xml><?xml version="1.0" encoding="utf-8"?>
+<p:sld xmlns:a="http://schemas.openxmlformats.org/drawingml/2006/main" xmlns:r="http://schemas.openxmlformats.org/officeDocument/2006/relationships" xmlns:p="http://schemas.openxmlformats.org/presentationml/2006/main">
+  <p:cSld>
+    <p:spTree>
+      <p:nvGrpSpPr>
+        <p:cNvPr id="1" name=""/>
+        <p:cNvGrpSpPr/>
+        <p:nvPr/>
+      </p:nvGrpSpPr>
+      <p:grpSpPr>
+        <a:xfrm>
+          <a:off x="0" y="0"/>
+          <a:ext cx="0" cy="0"/>
+          <a:chOff x="0" y="0"/>
+          <a:chExt cx="0" cy="0"/>
+        </a:xfrm>
+      </p:grpSpPr>
+      <p:sp>
+        <p:nvSpPr>
+          <p:cNvPr id="2" name="Tijdelijke aanduiding voor voettekst 1"/>
+          <p:cNvSpPr>
+            <a:spLocks noGrp="1"/>
+          </p:cNvSpPr>
+          <p:nvPr>
+            <p:ph type="ftr" sz="quarter" idx="11"/>
+          </p:nvPr>
+        </p:nvSpPr>
+        <p:spPr/>
+        <p:txBody>
+          <a:bodyPr/>
+          <a:lstStyle/>
+          <a:p>
+            <a:r>
+              <a:rPr lang="nl-NL" smtClean="0"/>
+              <a:t>Titel van de presentatie</a:t>
+            </a:r>
+            <a:endParaRPr lang="nl-NL"/>
+          </a:p>
+        </p:txBody>
+      </p:sp>
+      <p:sp>
+        <p:nvSpPr>
+          <p:cNvPr id="3" name="Tijdelijke aanduiding voor dianummer 2"/>
+          <p:cNvSpPr>
+            <a:spLocks noGrp="1"/>
+          </p:cNvSpPr>
+          <p:nvPr>
+            <p:ph type="sldNum" sz="quarter" idx="12"/>
+          </p:nvPr>
+        </p:nvSpPr>
+        <p:spPr/>
+        <p:txBody>
+          <a:bodyPr/>
+          <a:lstStyle/>
+          <a:p>
+            <a:fld id="{14F1411D-0280-154F-AEAC-4C20B7AA46B2}" type="slidenum">
+              <a:rPr lang="nl-NL" smtClean="0"/>
+              <a:t>15</a:t>
+            </a:fld>
+            <a:endParaRPr lang="nl-NL"/>
+          </a:p>
+        </p:txBody>
+      </p:sp>
+      <p:sp>
+        <p:nvSpPr>
+          <p:cNvPr id="6" name="Titel 5"/>
+          <p:cNvSpPr>
+            <a:spLocks noGrp="1"/>
+          </p:cNvSpPr>
+          <p:nvPr>
+            <p:ph type="title"/>
+          </p:nvPr>
+        </p:nvSpPr>
+        <p:spPr/>
+        <p:txBody>
+          <a:bodyPr/>
+          <a:lstStyle/>
+          <a:p>
+            <a:r>
+              <a:rPr lang="nl-NL" dirty="0" err="1" smtClean="0"/>
+              <a:t>Plugins</a:t>
+            </a:r>
+            <a:endParaRPr lang="nl-NL" dirty="0"/>
+          </a:p>
+        </p:txBody>
+      </p:sp>
+      <p:pic>
+        <p:nvPicPr>
+          <p:cNvPr id="4" name="Afbeelding 3"/>
+          <p:cNvPicPr>
+            <a:picLocks noChangeAspect="1"/>
+          </p:cNvPicPr>
+          <p:nvPr/>
+        </p:nvPicPr>
+        <p:blipFill>
+          <a:blip r:embed="rId2"/>
+          <a:stretch>
+            <a:fillRect/>
+          </a:stretch>
+        </p:blipFill>
+        <p:spPr>
+          <a:xfrm>
+            <a:off x="719999" y="899197"/>
+            <a:ext cx="5543183" cy="1568256"/>
+          </a:xfrm>
+          <a:prstGeom prst="rect">
+            <a:avLst/>
+          </a:prstGeom>
+        </p:spPr>
+      </p:pic>
+      <p:pic>
+        <p:nvPicPr>
+          <p:cNvPr id="5" name="Afbeelding 4"/>
+          <p:cNvPicPr>
+            <a:picLocks noChangeAspect="1"/>
+          </p:cNvPicPr>
+          <p:nvPr/>
+        </p:nvPicPr>
+        <p:blipFill>
+          <a:blip r:embed="rId3"/>
+          <a:stretch>
+            <a:fillRect/>
+          </a:stretch>
+        </p:blipFill>
+        <p:spPr>
+          <a:xfrm>
+            <a:off x="630847" y="2789204"/>
+            <a:ext cx="2643920" cy="1409687"/>
+          </a:xfrm>
+          <a:prstGeom prst="rect">
+            <a:avLst/>
+          </a:prstGeom>
+        </p:spPr>
+      </p:pic>
+      <p:pic>
+        <p:nvPicPr>
+          <p:cNvPr id="7" name="Afbeelding 6"/>
+          <p:cNvPicPr>
+            <a:picLocks noChangeAspect="1"/>
+          </p:cNvPicPr>
+          <p:nvPr/>
+        </p:nvPicPr>
+        <p:blipFill>
+          <a:blip r:embed="rId4"/>
+          <a:stretch>
+            <a:fillRect/>
+          </a:stretch>
+        </p:blipFill>
+        <p:spPr>
+          <a:xfrm>
+            <a:off x="5272339" y="2777698"/>
+            <a:ext cx="3333383" cy="1743731"/>
+          </a:xfrm>
+          <a:prstGeom prst="rect">
+            <a:avLst/>
+          </a:prstGeom>
+        </p:spPr>
+      </p:pic>
+      <p:sp>
+        <p:nvSpPr>
+          <p:cNvPr id="12" name="Rechthoek 11"/>
+          <p:cNvSpPr/>
+          <p:nvPr/>
+        </p:nvSpPr>
+        <p:spPr>
+          <a:xfrm>
+            <a:off x="5272339" y="4453151"/>
+            <a:ext cx="1356910" cy="276999"/>
+          </a:xfrm>
+          <a:prstGeom prst="rect">
+            <a:avLst/>
+          </a:prstGeom>
+          <a:noFill/>
+        </p:spPr>
+        <p:txBody>
+          <a:bodyPr wrap="none" lIns="91440" tIns="45720" rIns="91440" bIns="45720">
+            <a:spAutoFit/>
+          </a:bodyPr>
+          <a:lstStyle/>
+          <a:p>
+            <a:pPr algn="ctr"/>
+            <a:r>
+              <a:rPr lang="nl-NL" sz="1200" b="0" cap="none" spc="0" dirty="0" smtClean="0">
+                <a:ln w="0"/>
+                <a:solidFill>
+                  <a:srgbClr val="FF0000"/>
+                </a:solidFill>
+                <a:effectLst>
+                  <a:outerShdw blurRad="38100" dist="19050" dir="2700000" algn="tl" rotWithShape="0">
+                    <a:schemeClr val="dk1">
+                      <a:alpha val="40000"/>
+                    </a:schemeClr>
+                  </a:outerShdw>
+                </a:effectLst>
+              </a:rPr>
+              <a:t>10 official </a:t>
+            </a:r>
+            <a:r>
+              <a:rPr lang="nl-NL" sz="1200" b="0" cap="none" spc="0" dirty="0" err="1" smtClean="0">
+                <a:ln w="0"/>
+                <a:solidFill>
+                  <a:srgbClr val="FF0000"/>
+                </a:solidFill>
+                <a:effectLst>
+                  <a:outerShdw blurRad="38100" dist="19050" dir="2700000" algn="tl" rotWithShape="0">
+                    <a:schemeClr val="dk1">
+                      <a:alpha val="40000"/>
+                    </a:schemeClr>
+                  </a:outerShdw>
+                </a:effectLst>
+              </a:rPr>
+              <a:t>plugins</a:t>
+            </a:r>
+            <a:endParaRPr lang="nl-NL" sz="1200" b="0" cap="none" spc="0" dirty="0">
+              <a:ln w="0"/>
+              <a:solidFill>
+                <a:srgbClr val="FF0000"/>
+              </a:solidFill>
+              <a:effectLst>
+                <a:outerShdw blurRad="38100" dist="19050" dir="2700000" algn="tl" rotWithShape="0">
+                  <a:schemeClr val="dk1">
+                    <a:alpha val="40000"/>
+                  </a:schemeClr>
+                </a:outerShdw>
+              </a:effectLst>
+            </a:endParaRPr>
+          </a:p>
+        </p:txBody>
+      </p:sp>
+      <p:sp>
+        <p:nvSpPr>
+          <p:cNvPr id="13" name="AutoShape 2" descr="Afbeeldingsresultaat voor open source"/>
+          <p:cNvSpPr>
+            <a:spLocks noChangeAspect="1" noChangeArrowheads="1"/>
+          </p:cNvSpPr>
+          <p:nvPr/>
+        </p:nvSpPr>
+        <p:spPr bwMode="auto">
+          <a:xfrm>
+            <a:off x="155575" y="-144463"/>
+            <a:ext cx="304800" cy="304801"/>
+          </a:xfrm>
+          <a:prstGeom prst="rect">
+            <a:avLst/>
+          </a:prstGeom>
+          <a:noFill/>
+          <a:extLst>
+            <a:ext uri="{909E8E84-426E-40DD-AFC4-6F175D3DCCD1}">
+              <a14:hiddenFill xmlns:a14="http://schemas.microsoft.com/office/drawing/2010/main">
+                <a:solidFill>
+                  <a:srgbClr val="FFFFFF"/>
+                </a:solidFill>
+              </a14:hiddenFill>
+            </a:ext>
+          </a:extLst>
+        </p:spPr>
+        <p:txBody>
+          <a:bodyPr vert="horz" wrap="square" lIns="91440" tIns="45720" rIns="91440" bIns="45720" numCol="1" anchor="t" anchorCtr="0" compatLnSpc="1">
+            <a:prstTxWarp prst="textNoShape">
+              <a:avLst/>
+            </a:prstTxWarp>
+          </a:bodyPr>
+          <a:lstStyle/>
+          <a:p>
+            <a:endParaRPr lang="nl-NL"/>
+          </a:p>
+        </p:txBody>
+      </p:sp>
+      <p:pic>
+        <p:nvPicPr>
+          <p:cNvPr id="14" name="Afbeelding 13"/>
+          <p:cNvPicPr>
+            <a:picLocks noChangeAspect="1"/>
+          </p:cNvPicPr>
+          <p:nvPr/>
+        </p:nvPicPr>
+        <p:blipFill>
+          <a:blip r:embed="rId5">
+            <a:extLst>
+              <a:ext uri="{28A0092B-C50C-407E-A947-70E740481C1C}">
+                <a14:useLocalDpi xmlns:a14="http://schemas.microsoft.com/office/drawing/2010/main" val="0"/>
+              </a:ext>
+            </a:extLst>
+          </a:blip>
+          <a:stretch>
+            <a:fillRect/>
+          </a:stretch>
+        </p:blipFill>
+        <p:spPr>
+          <a:xfrm>
+            <a:off x="3401399" y="2925712"/>
+            <a:ext cx="1499088" cy="568336"/>
+          </a:xfrm>
+          <a:prstGeom prst="rect">
+            <a:avLst/>
+          </a:prstGeom>
+        </p:spPr>
+      </p:pic>
+      <p:sp>
+        <p:nvSpPr>
+          <p:cNvPr id="24" name="Rechthoek 23"/>
+          <p:cNvSpPr/>
+          <p:nvPr/>
+        </p:nvSpPr>
+        <p:spPr>
+          <a:xfrm>
+            <a:off x="3646619" y="3544780"/>
+            <a:ext cx="1253868" cy="307777"/>
+          </a:xfrm>
+          <a:prstGeom prst="rect">
+            <a:avLst/>
+          </a:prstGeom>
+        </p:spPr>
+        <p:txBody>
+          <a:bodyPr wrap="none">
+            <a:spAutoFit/>
+          </a:bodyPr>
+          <a:lstStyle/>
+          <a:p>
+            <a:pPr algn="ctr"/>
+            <a:r>
+              <a:rPr lang="nl-NL" sz="1400" dirty="0" smtClean="0">
+                <a:ln w="0"/>
+                <a:solidFill>
+                  <a:srgbClr val="FF0000"/>
+                </a:solidFill>
+                <a:effectLst>
+                  <a:outerShdw blurRad="38100" dist="19050" dir="2700000" algn="tl" rotWithShape="0">
+                    <a:schemeClr val="dk1">
+                      <a:alpha val="40000"/>
+                    </a:schemeClr>
+                  </a:outerShdw>
+                </a:effectLst>
+              </a:rPr>
+              <a:t>&gt; 500 </a:t>
+            </a:r>
+            <a:r>
+              <a:rPr lang="nl-NL" sz="1400" dirty="0" err="1">
+                <a:ln w="0"/>
+                <a:solidFill>
+                  <a:srgbClr val="FF0000"/>
+                </a:solidFill>
+                <a:effectLst>
+                  <a:outerShdw blurRad="38100" dist="19050" dir="2700000" algn="tl" rotWithShape="0">
+                    <a:schemeClr val="dk1">
+                      <a:alpha val="40000"/>
+                    </a:schemeClr>
+                  </a:outerShdw>
+                </a:effectLst>
+              </a:rPr>
+              <a:t>plugins</a:t>
+            </a:r>
+            <a:endParaRPr lang="nl-NL" sz="1400" dirty="0">
+              <a:ln w="0"/>
+              <a:solidFill>
+                <a:srgbClr val="FF0000"/>
+              </a:solidFill>
+              <a:effectLst>
+                <a:outerShdw blurRad="38100" dist="19050" dir="2700000" algn="tl" rotWithShape="0">
+                  <a:schemeClr val="dk1">
+                    <a:alpha val="40000"/>
+                  </a:schemeClr>
+                </a:outerShdw>
+              </a:effectLst>
+            </a:endParaRPr>
+          </a:p>
+        </p:txBody>
+      </p:sp>
+      <p:sp>
+        <p:nvSpPr>
+          <p:cNvPr id="25" name="Rechthoek 24"/>
+          <p:cNvSpPr/>
+          <p:nvPr/>
+        </p:nvSpPr>
+        <p:spPr>
+          <a:xfrm>
+            <a:off x="1184772" y="1630960"/>
+            <a:ext cx="1253868" cy="307777"/>
+          </a:xfrm>
+          <a:prstGeom prst="rect">
+            <a:avLst/>
+          </a:prstGeom>
+        </p:spPr>
+        <p:txBody>
+          <a:bodyPr wrap="none">
+            <a:spAutoFit/>
+          </a:bodyPr>
+          <a:lstStyle/>
+          <a:p>
+            <a:pPr algn="ctr"/>
+            <a:r>
+              <a:rPr lang="nl-NL" sz="1400" dirty="0" smtClean="0">
+                <a:ln w="0"/>
+                <a:solidFill>
+                  <a:srgbClr val="FF0000"/>
+                </a:solidFill>
+                <a:effectLst>
+                  <a:outerShdw blurRad="38100" dist="19050" dir="2700000" algn="tl" rotWithShape="0">
+                    <a:schemeClr val="dk1">
+                      <a:alpha val="40000"/>
+                    </a:schemeClr>
+                  </a:outerShdw>
+                </a:effectLst>
+              </a:rPr>
+              <a:t>&gt; 200 </a:t>
+            </a:r>
+            <a:r>
+              <a:rPr lang="nl-NL" sz="1400" dirty="0" err="1">
+                <a:ln w="0"/>
+                <a:solidFill>
+                  <a:srgbClr val="FF0000"/>
+                </a:solidFill>
+                <a:effectLst>
+                  <a:outerShdw blurRad="38100" dist="19050" dir="2700000" algn="tl" rotWithShape="0">
+                    <a:schemeClr val="dk1">
+                      <a:alpha val="40000"/>
+                    </a:schemeClr>
+                  </a:outerShdw>
+                </a:effectLst>
+              </a:rPr>
+              <a:t>plugins</a:t>
+            </a:r>
+            <a:endParaRPr lang="nl-NL" sz="1400" dirty="0">
+              <a:ln w="0"/>
+              <a:solidFill>
+                <a:srgbClr val="FF0000"/>
+              </a:solidFill>
+              <a:effectLst>
+                <a:outerShdw blurRad="38100" dist="19050" dir="2700000" algn="tl" rotWithShape="0">
+                  <a:schemeClr val="dk1">
+                    <a:alpha val="40000"/>
+                  </a:schemeClr>
+                </a:outerShdw>
+              </a:effectLst>
+            </a:endParaRPr>
+          </a:p>
+        </p:txBody>
+      </p:sp>
+    </p:spTree>
+    <p:extLst>
+      <p:ext uri="{BB962C8B-B14F-4D97-AF65-F5344CB8AC3E}">
+        <p14:creationId xmlns:p14="http://schemas.microsoft.com/office/powerpoint/2010/main" val="3340580961"/>
+      </p:ext>
+    </p:extLst>
+  </p:cSld>
+  <p:clrMapOvr>
+    <a:masterClrMapping/>
+  </p:clrMapOvr>
+</p:sld>
+</file>
+
+<file path=ppt/slides/slide16.xml><?xml version="1.0" encoding="utf-8"?>
+<p:sld xmlns:a="http://schemas.openxmlformats.org/drawingml/2006/main" xmlns:r="http://schemas.openxmlformats.org/officeDocument/2006/relationships" xmlns:p="http://schemas.openxmlformats.org/presentationml/2006/main">
+  <p:cSld>
+    <p:spTree>
+      <p:nvGrpSpPr>
+        <p:cNvPr id="1" name=""/>
+        <p:cNvGrpSpPr/>
+        <p:nvPr/>
+      </p:nvGrpSpPr>
+      <p:grpSpPr>
+        <a:xfrm>
+          <a:off x="0" y="0"/>
+          <a:ext cx="0" cy="0"/>
+          <a:chOff x="0" y="0"/>
+          <a:chExt cx="0" cy="0"/>
+        </a:xfrm>
+      </p:grpSpPr>
+      <p:sp>
+        <p:nvSpPr>
+          <p:cNvPr id="2" name="Tijdelijke aanduiding voor voettekst 1"/>
+          <p:cNvSpPr>
+            <a:spLocks noGrp="1"/>
+          </p:cNvSpPr>
+          <p:nvPr>
+            <p:ph type="ftr" sz="quarter" idx="11"/>
+          </p:nvPr>
+        </p:nvSpPr>
+        <p:spPr/>
+        <p:txBody>
+          <a:bodyPr/>
+          <a:lstStyle/>
+          <a:p>
+            <a:r>
+              <a:rPr lang="nl-NL" smtClean="0"/>
+              <a:t>Titel van de presentatie</a:t>
+            </a:r>
+            <a:endParaRPr lang="nl-NL"/>
+          </a:p>
+        </p:txBody>
+      </p:sp>
+      <p:sp>
+        <p:nvSpPr>
+          <p:cNvPr id="3" name="Tijdelijke aanduiding voor dianummer 2"/>
+          <p:cNvSpPr>
+            <a:spLocks noGrp="1"/>
+          </p:cNvSpPr>
+          <p:nvPr>
+            <p:ph type="sldNum" sz="quarter" idx="12"/>
+          </p:nvPr>
+        </p:nvSpPr>
+        <p:spPr/>
+        <p:txBody>
+          <a:bodyPr/>
+          <a:lstStyle/>
+          <a:p>
+            <a:fld id="{14F1411D-0280-154F-AEAC-4C20B7AA46B2}" type="slidenum">
+              <a:rPr lang="nl-NL" smtClean="0"/>
+              <a:t>16</a:t>
+            </a:fld>
+            <a:endParaRPr lang="nl-NL"/>
+          </a:p>
+        </p:txBody>
+      </p:sp>
+      <p:sp>
+        <p:nvSpPr>
+          <p:cNvPr id="6" name="Titel 5"/>
+          <p:cNvSpPr>
+            <a:spLocks noGrp="1"/>
+          </p:cNvSpPr>
+          <p:nvPr>
+            <p:ph type="title"/>
+          </p:nvPr>
+        </p:nvSpPr>
+        <p:spPr/>
+        <p:txBody>
+          <a:bodyPr/>
+          <a:lstStyle/>
+          <a:p>
+            <a:r>
+              <a:rPr lang="nl-NL" dirty="0" err="1" smtClean="0"/>
+              <a:t>Lightweight</a:t>
+            </a:r>
+            <a:r>
+              <a:rPr lang="nl-NL" dirty="0" smtClean="0"/>
+              <a:t> log processor + </a:t>
+            </a:r>
+            <a:r>
+              <a:rPr lang="nl-NL" dirty="0" err="1" smtClean="0"/>
+              <a:t>forwarder</a:t>
+            </a:r>
+            <a:endParaRPr lang="nl-NL" dirty="0"/>
+          </a:p>
+        </p:txBody>
+      </p:sp>
+      <p:sp>
+        <p:nvSpPr>
+          <p:cNvPr id="13" name="AutoShape 2" descr="Afbeeldingsresultaat voor open source"/>
+          <p:cNvSpPr>
+            <a:spLocks noChangeAspect="1" noChangeArrowheads="1"/>
+          </p:cNvSpPr>
+          <p:nvPr/>
+        </p:nvSpPr>
+        <p:spPr bwMode="auto">
+          <a:xfrm>
+            <a:off x="155575" y="-144463"/>
+            <a:ext cx="304800" cy="304801"/>
+          </a:xfrm>
+          <a:prstGeom prst="rect">
+            <a:avLst/>
+          </a:prstGeom>
+          <a:noFill/>
+          <a:extLst>
+            <a:ext uri="{909E8E84-426E-40DD-AFC4-6F175D3DCCD1}">
+              <a14:hiddenFill xmlns:a14="http://schemas.microsoft.com/office/drawing/2010/main">
+                <a:solidFill>
+                  <a:srgbClr val="FFFFFF"/>
+                </a:solidFill>
+              </a14:hiddenFill>
+            </a:ext>
+          </a:extLst>
+        </p:spPr>
+        <p:txBody>
+          <a:bodyPr vert="horz" wrap="square" lIns="91440" tIns="45720" rIns="91440" bIns="45720" numCol="1" anchor="t" anchorCtr="0" compatLnSpc="1">
+            <a:prstTxWarp prst="textNoShape">
+              <a:avLst/>
+            </a:prstTxWarp>
+          </a:bodyPr>
+          <a:lstStyle/>
+          <a:p>
+            <a:endParaRPr lang="nl-NL"/>
+          </a:p>
+        </p:txBody>
+      </p:sp>
+      <p:pic>
+        <p:nvPicPr>
+          <p:cNvPr id="9" name="Afbeelding 8"/>
+          <p:cNvPicPr>
+            <a:picLocks noChangeAspect="1"/>
+          </p:cNvPicPr>
+          <p:nvPr/>
+        </p:nvPicPr>
+        <p:blipFill>
+          <a:blip r:embed="rId2"/>
+          <a:stretch>
+            <a:fillRect/>
+          </a:stretch>
+        </p:blipFill>
+        <p:spPr>
+          <a:xfrm>
+            <a:off x="1090612" y="1967278"/>
+            <a:ext cx="3044103" cy="1010383"/>
+          </a:xfrm>
+          <a:prstGeom prst="rect">
+            <a:avLst/>
+          </a:prstGeom>
+        </p:spPr>
+      </p:pic>
+      <p:pic>
+        <p:nvPicPr>
+          <p:cNvPr id="11" name="Afbeelding 10"/>
+          <p:cNvPicPr>
+            <a:picLocks noChangeAspect="1"/>
+          </p:cNvPicPr>
+          <p:nvPr/>
+        </p:nvPicPr>
+        <p:blipFill>
+          <a:blip r:embed="rId3"/>
+          <a:stretch>
+            <a:fillRect/>
+          </a:stretch>
+        </p:blipFill>
+        <p:spPr>
+          <a:xfrm>
+            <a:off x="5912458" y="1774945"/>
+            <a:ext cx="1543050" cy="1819275"/>
+          </a:xfrm>
+          <a:prstGeom prst="rect">
+            <a:avLst/>
+          </a:prstGeom>
+        </p:spPr>
+      </p:pic>
+    </p:spTree>
+    <p:extLst>
+      <p:ext uri="{BB962C8B-B14F-4D97-AF65-F5344CB8AC3E}">
+        <p14:creationId xmlns:p14="http://schemas.microsoft.com/office/powerpoint/2010/main" val="471950193"/>
+      </p:ext>
+    </p:extLst>
+  </p:cSld>
+  <p:clrMapOvr>
+    <a:masterClrMapping/>
+  </p:clrMapOvr>
+</p:sld>
+</file>
+
+<file path=ppt/slides/slide17.xml><?xml version="1.0" encoding="utf-8"?>
+<p:sld xmlns:a="http://schemas.openxmlformats.org/drawingml/2006/main" xmlns:r="http://schemas.openxmlformats.org/officeDocument/2006/relationships" xmlns:p="http://schemas.openxmlformats.org/presentationml/2006/main">
+  <p:cSld>
+    <p:spTree>
+      <p:nvGrpSpPr>
+        <p:cNvPr id="1" name=""/>
+        <p:cNvGrpSpPr/>
+        <p:nvPr/>
+      </p:nvGrpSpPr>
+      <p:grpSpPr>
+        <a:xfrm>
+          <a:off x="0" y="0"/>
+          <a:ext cx="0" cy="0"/>
+          <a:chOff x="0" y="0"/>
+          <a:chExt cx="0" cy="0"/>
+        </a:xfrm>
+      </p:grpSpPr>
+      <p:sp>
+        <p:nvSpPr>
+          <p:cNvPr id="2" name="Tijdelijke aanduiding voor voettekst 1">
+            <a:extLst>
+              <a:ext uri="{FF2B5EF4-FFF2-40B4-BE49-F238E27FC236}">
+                <a16:creationId xmlns="" xmlns:a16="http://schemas.microsoft.com/office/drawing/2014/main" id="{6445B399-15FB-4E53-84D6-665A0A811FE5}"/>
+              </a:ext>
+            </a:extLst>
+          </p:cNvPr>
+          <p:cNvSpPr>
+            <a:spLocks noGrp="1"/>
+          </p:cNvSpPr>
+          <p:nvPr>
+            <p:ph type="ftr" sz="quarter" idx="11"/>
+          </p:nvPr>
+        </p:nvSpPr>
+        <p:spPr/>
+        <p:txBody>
+          <a:bodyPr/>
+          <a:lstStyle/>
+          <a:p>
+            <a:r>
+              <a:rPr lang="nl-NL"/>
+              <a:t>Titel van de presentatie</a:t>
+            </a:r>
+          </a:p>
+        </p:txBody>
+      </p:sp>
+      <p:sp>
+        <p:nvSpPr>
+          <p:cNvPr id="3" name="Tijdelijke aanduiding voor dianummer 2">
+            <a:extLst>
+              <a:ext uri="{FF2B5EF4-FFF2-40B4-BE49-F238E27FC236}">
+                <a16:creationId xmlns="" xmlns:a16="http://schemas.microsoft.com/office/drawing/2014/main" id="{16146747-8977-4045-8B29-86548DC90384}"/>
+              </a:ext>
+            </a:extLst>
+          </p:cNvPr>
+          <p:cNvSpPr>
+            <a:spLocks noGrp="1"/>
+          </p:cNvSpPr>
+          <p:nvPr>
+            <p:ph type="sldNum" sz="quarter" idx="12"/>
+          </p:nvPr>
+        </p:nvSpPr>
+        <p:spPr/>
+        <p:txBody>
+          <a:bodyPr/>
+          <a:lstStyle/>
+          <a:p>
+            <a:fld id="{14F1411D-0280-154F-AEAC-4C20B7AA46B2}" type="slidenum">
+              <a:rPr lang="nl-NL" smtClean="0"/>
+              <a:t>17</a:t>
+            </a:fld>
+            <a:endParaRPr lang="nl-NL"/>
+          </a:p>
+        </p:txBody>
+      </p:sp>
+      <p:sp>
+        <p:nvSpPr>
+          <p:cNvPr id="4" name="Titel 3">
+            <a:extLst>
+              <a:ext uri="{FF2B5EF4-FFF2-40B4-BE49-F238E27FC236}">
+                <a16:creationId xmlns="" xmlns:a16="http://schemas.microsoft.com/office/drawing/2014/main" id="{5AAFE3B4-5B7E-4127-841F-DFD6CFEF780B}"/>
+              </a:ext>
+            </a:extLst>
+          </p:cNvPr>
+          <p:cNvSpPr>
+            <a:spLocks noGrp="1"/>
+          </p:cNvSpPr>
+          <p:nvPr>
+            <p:ph type="title"/>
+          </p:nvPr>
+        </p:nvSpPr>
+        <p:spPr/>
+        <p:txBody>
+          <a:bodyPr/>
+          <a:lstStyle/>
+          <a:p>
+            <a:r>
+              <a:rPr lang="en-US" dirty="0"/>
+              <a:t>Coming up</a:t>
+            </a:r>
+            <a:endParaRPr lang="x-none" dirty="0"/>
+          </a:p>
+        </p:txBody>
+      </p:sp>
+      <p:sp>
+        <p:nvSpPr>
+          <p:cNvPr id="6" name="Rechthoek 5">
+            <a:extLst>
+              <a:ext uri="{FF2B5EF4-FFF2-40B4-BE49-F238E27FC236}">
+                <a16:creationId xmlns="" xmlns:a16="http://schemas.microsoft.com/office/drawing/2014/main" id="{C495CFFE-CAA8-43CA-91B4-3BEC8B8E3A42}"/>
+              </a:ext>
+            </a:extLst>
+          </p:cNvPr>
+          <p:cNvSpPr/>
+          <p:nvPr/>
+        </p:nvSpPr>
+        <p:spPr>
+          <a:xfrm>
+            <a:off x="770611" y="4165412"/>
+            <a:ext cx="7768317" cy="338554"/>
+          </a:xfrm>
+          <a:prstGeom prst="rect">
+            <a:avLst/>
+          </a:prstGeom>
+        </p:spPr>
+        <p:txBody>
+          <a:bodyPr wrap="square">
+            <a:spAutoFit/>
+          </a:bodyPr>
+          <a:lstStyle/>
+          <a:p>
+            <a:r>
+              <a:rPr lang="en-US" sz="1600" b="1" dirty="0"/>
+              <a:t>https://github.com/AMIS-Services/sig-kubernetes/tree/master/SIG02-logging</a:t>
+            </a:r>
+            <a:endParaRPr lang="x-none" sz="1600" b="1" dirty="0"/>
+          </a:p>
+        </p:txBody>
+      </p:sp>
+      <p:pic>
+        <p:nvPicPr>
+          <p:cNvPr id="8" name="Afbeelding 7">
+            <a:extLst>
+              <a:ext uri="{FF2B5EF4-FFF2-40B4-BE49-F238E27FC236}">
+                <a16:creationId xmlns="" xmlns:a16="http://schemas.microsoft.com/office/drawing/2014/main" id="{6B853EF3-0ACA-4237-8D21-F40387216DCF}"/>
+              </a:ext>
+            </a:extLst>
+          </p:cNvPr>
+          <p:cNvPicPr>
+            <a:picLocks noChangeAspect="1"/>
+          </p:cNvPicPr>
+          <p:nvPr/>
+        </p:nvPicPr>
+        <p:blipFill>
+          <a:blip r:embed="rId2"/>
+          <a:stretch>
+            <a:fillRect/>
+          </a:stretch>
+        </p:blipFill>
+        <p:spPr>
+          <a:xfrm>
+            <a:off x="2994476" y="719564"/>
+            <a:ext cx="2027807" cy="1513056"/>
+          </a:xfrm>
+          <a:prstGeom prst="rect">
+            <a:avLst/>
+          </a:prstGeom>
+        </p:spPr>
+      </p:pic>
+      <p:pic>
+        <p:nvPicPr>
+          <p:cNvPr id="10" name="Afbeelding 9">
+            <a:extLst>
+              <a:ext uri="{FF2B5EF4-FFF2-40B4-BE49-F238E27FC236}">
+                <a16:creationId xmlns="" xmlns:a16="http://schemas.microsoft.com/office/drawing/2014/main" id="{049C95AC-25FF-42BF-9D6E-A95194A0EE7E}"/>
+              </a:ext>
+            </a:extLst>
+          </p:cNvPr>
+          <p:cNvPicPr>
+            <a:picLocks noChangeAspect="1"/>
+          </p:cNvPicPr>
+          <p:nvPr/>
+        </p:nvPicPr>
+        <p:blipFill>
+          <a:blip r:embed="rId3"/>
+          <a:stretch>
+            <a:fillRect/>
+          </a:stretch>
+        </p:blipFill>
+        <p:spPr>
+          <a:xfrm>
+            <a:off x="5135663" y="2277103"/>
+            <a:ext cx="2962275" cy="1543050"/>
+          </a:xfrm>
+          <a:prstGeom prst="rect">
+            <a:avLst/>
+          </a:prstGeom>
+        </p:spPr>
+      </p:pic>
+      <p:pic>
+        <p:nvPicPr>
+          <p:cNvPr id="12" name="Afbeelding 11">
+            <a:extLst>
+              <a:ext uri="{FF2B5EF4-FFF2-40B4-BE49-F238E27FC236}">
+                <a16:creationId xmlns="" xmlns:a16="http://schemas.microsoft.com/office/drawing/2014/main" id="{D693C44A-3AD9-4F3F-9424-FB7FAE040101}"/>
+              </a:ext>
+            </a:extLst>
+          </p:cNvPr>
+          <p:cNvPicPr>
+            <a:picLocks noChangeAspect="1"/>
+          </p:cNvPicPr>
+          <p:nvPr/>
+        </p:nvPicPr>
+        <p:blipFill>
+          <a:blip r:embed="rId4"/>
+          <a:stretch>
+            <a:fillRect/>
+          </a:stretch>
+        </p:blipFill>
+        <p:spPr>
+          <a:xfrm>
+            <a:off x="777078" y="2370341"/>
+            <a:ext cx="2762250" cy="1657350"/>
+          </a:xfrm>
+          <a:prstGeom prst="rect">
+            <a:avLst/>
+          </a:prstGeom>
+        </p:spPr>
+      </p:pic>
+    </p:spTree>
+    <p:extLst>
+      <p:ext uri="{BB962C8B-B14F-4D97-AF65-F5344CB8AC3E}">
+        <p14:creationId xmlns:p14="http://schemas.microsoft.com/office/powerpoint/2010/main" val="3528674440"/>
       </p:ext>
     </p:extLst>
   </p:cSld>
@@ -5691,7 +7187,7 @@
           <p:cNvPr id="6" name="Titel 5">
             <a:extLst>
               <a:ext uri="{FF2B5EF4-FFF2-40B4-BE49-F238E27FC236}">
-                <a16:creationId xmlns:a16="http://schemas.microsoft.com/office/drawing/2014/main" id="{1C533F31-180B-4FF9-BA49-E3681EF7BF57}"/>
+                <a16:creationId xmlns="" xmlns:a16="http://schemas.microsoft.com/office/drawing/2014/main" id="{1C533F31-180B-4FF9-BA49-E3681EF7BF57}"/>
               </a:ext>
             </a:extLst>
           </p:cNvPr>
@@ -5711,7 +7207,7 @@
               <a:rPr lang="en-US" dirty="0"/>
               <a:t>pods</a:t>
             </a:r>
-            <a:endParaRPr lang="en-NL" dirty="0"/>
+            <a:endParaRPr lang="x-none" dirty="0"/>
           </a:p>
         </p:txBody>
       </p:sp>
@@ -5720,7 +7216,7 @@
           <p:cNvPr id="8" name="Afbeelding 7">
             <a:extLst>
               <a:ext uri="{FF2B5EF4-FFF2-40B4-BE49-F238E27FC236}">
-                <a16:creationId xmlns:a16="http://schemas.microsoft.com/office/drawing/2014/main" id="{8F8EBC34-C79C-4B1A-9A79-34F116752D35}"/>
+                <a16:creationId xmlns="" xmlns:a16="http://schemas.microsoft.com/office/drawing/2014/main" id="{8F8EBC34-C79C-4B1A-9A79-34F116752D35}"/>
               </a:ext>
             </a:extLst>
           </p:cNvPr>
@@ -5750,7 +7246,7 @@
           <p:cNvPr id="16" name="Afbeelding 15">
             <a:extLst>
               <a:ext uri="{FF2B5EF4-FFF2-40B4-BE49-F238E27FC236}">
-                <a16:creationId xmlns:a16="http://schemas.microsoft.com/office/drawing/2014/main" id="{E59519E3-6667-4D36-B70D-E151AD20CABF}"/>
+                <a16:creationId xmlns="" xmlns:a16="http://schemas.microsoft.com/office/drawing/2014/main" id="{E59519E3-6667-4D36-B70D-E151AD20CABF}"/>
               </a:ext>
             </a:extLst>
           </p:cNvPr>
@@ -5807,10 +7303,10 @@
       </p:grpSpPr>
       <p:sp>
         <p:nvSpPr>
-          <p:cNvPr id="2" name="Titel 1">
+          <p:cNvPr id="6" name="Titel 5">
             <a:extLst>
               <a:ext uri="{FF2B5EF4-FFF2-40B4-BE49-F238E27FC236}">
-                <a16:creationId xmlns:a16="http://schemas.microsoft.com/office/drawing/2014/main" id="{A842491D-06D1-4ED7-9C85-E2B1A6803DD4}"/>
+                <a16:creationId xmlns="" xmlns:a16="http://schemas.microsoft.com/office/drawing/2014/main" id="{1C533F31-180B-4FF9-BA49-E3681EF7BF57}"/>
               </a:ext>
             </a:extLst>
           </p:cNvPr>
@@ -5827,42 +7323,89 @@
           <a:lstStyle/>
           <a:p>
             <a:r>
-              <a:rPr lang="en-US" dirty="0"/>
-              <a:t>Logging</a:t>
-            </a:r>
-            <a:endParaRPr lang="en-NL" dirty="0"/>
+              <a:rPr lang="en-US" dirty="0" smtClean="0"/>
+              <a:t>Pods and logging</a:t>
+            </a:r>
+            <a:endParaRPr lang="x-none" dirty="0"/>
           </a:p>
         </p:txBody>
       </p:sp>
       <p:pic>
         <p:nvPicPr>
-          <p:cNvPr id="7" name="Tijdelijke aanduiding voor afbeelding 6">
-            <a:extLst>
-              <a:ext uri="{FF2B5EF4-FFF2-40B4-BE49-F238E27FC236}">
-                <a16:creationId xmlns:a16="http://schemas.microsoft.com/office/drawing/2014/main" id="{9EFB314B-0B7C-4040-A5CC-E599D640B10D}"/>
-              </a:ext>
-            </a:extLst>
-          </p:cNvPr>
+          <p:cNvPr id="2" name="Afbeelding 1"/>
           <p:cNvPicPr>
-            <a:picLocks noGrp="1" noChangeAspect="1"/>
+            <a:picLocks noChangeAspect="1"/>
           </p:cNvPicPr>
-          <p:nvPr>
-            <p:ph type="pic" idx="13"/>
-          </p:nvPr>
+          <p:nvPr/>
         </p:nvPicPr>
         <p:blipFill>
           <a:blip r:embed="rId2"/>
-          <a:srcRect t="10461" b="10461"/>
           <a:stretch>
             <a:fillRect/>
           </a:stretch>
         </p:blipFill>
-        <p:spPr/>
+        <p:spPr>
+          <a:xfrm>
+            <a:off x="855783" y="958633"/>
+            <a:ext cx="7508631" cy="1546743"/>
+          </a:xfrm>
+          <a:prstGeom prst="rect">
+            <a:avLst/>
+          </a:prstGeom>
+        </p:spPr>
+      </p:pic>
+      <p:pic>
+        <p:nvPicPr>
+          <p:cNvPr id="3" name="Afbeelding 2"/>
+          <p:cNvPicPr>
+            <a:picLocks noChangeAspect="1"/>
+          </p:cNvPicPr>
+          <p:nvPr/>
+        </p:nvPicPr>
+        <p:blipFill>
+          <a:blip r:embed="rId3"/>
+          <a:stretch>
+            <a:fillRect/>
+          </a:stretch>
+        </p:blipFill>
+        <p:spPr>
+          <a:xfrm>
+            <a:off x="855783" y="2666880"/>
+            <a:ext cx="5438775" cy="628650"/>
+          </a:xfrm>
+          <a:prstGeom prst="rect">
+            <a:avLst/>
+          </a:prstGeom>
+        </p:spPr>
+      </p:pic>
+      <p:pic>
+        <p:nvPicPr>
+          <p:cNvPr id="4" name="Afbeelding 3"/>
+          <p:cNvPicPr>
+            <a:picLocks noChangeAspect="1"/>
+          </p:cNvPicPr>
+          <p:nvPr/>
+        </p:nvPicPr>
+        <p:blipFill>
+          <a:blip r:embed="rId4"/>
+          <a:stretch>
+            <a:fillRect/>
+          </a:stretch>
+        </p:blipFill>
+        <p:spPr>
+          <a:xfrm>
+            <a:off x="855783" y="3406287"/>
+            <a:ext cx="3333750" cy="1085850"/>
+          </a:xfrm>
+          <a:prstGeom prst="rect">
+            <a:avLst/>
+          </a:prstGeom>
+        </p:spPr>
       </p:pic>
     </p:spTree>
     <p:extLst>
       <p:ext uri="{BB962C8B-B14F-4D97-AF65-F5344CB8AC3E}">
-        <p14:creationId xmlns:p14="http://schemas.microsoft.com/office/powerpoint/2010/main" val="213951777"/>
+        <p14:creationId xmlns:p14="http://schemas.microsoft.com/office/powerpoint/2010/main" val="4209446041"/>
       </p:ext>
     </p:extLst>
   </p:cSld>
@@ -5891,18 +7434,12 @@
       </p:grpSpPr>
       <p:sp>
         <p:nvSpPr>
-          <p:cNvPr id="5" name="Titel 4">
-            <a:extLst>
-              <a:ext uri="{FF2B5EF4-FFF2-40B4-BE49-F238E27FC236}">
-                <a16:creationId xmlns:a16="http://schemas.microsoft.com/office/drawing/2014/main" id="{462619B2-13A4-4BFC-B51A-BB78C0471E5A}"/>
-              </a:ext>
-            </a:extLst>
-          </p:cNvPr>
-          <p:cNvSpPr>
-            <a:spLocks noGrp="1"/>
-          </p:cNvSpPr>
-          <p:nvPr>
-            <p:ph type="title"/>
+          <p:cNvPr id="2" name="Tijdelijke aanduiding voor voettekst 1"/>
+          <p:cNvSpPr>
+            <a:spLocks noGrp="1"/>
+          </p:cNvSpPr>
+          <p:nvPr>
+            <p:ph type="ftr" sz="quarter" idx="11"/>
           </p:nvPr>
         </p:nvSpPr>
         <p:spPr/>
@@ -5911,55 +7448,203 @@
           <a:lstStyle/>
           <a:p>
             <a:r>
-              <a:rPr lang="en-US" dirty="0"/>
-              <a:t>ELK </a:t>
-            </a:r>
-            <a:r>
-              <a:rPr lang="en-US" dirty="0" err="1"/>
-              <a:t>en</a:t>
-            </a:r>
-            <a:r>
-              <a:rPr lang="en-US" dirty="0"/>
-              <a:t> EFK</a:t>
-            </a:r>
-            <a:endParaRPr lang="en-NL" dirty="0"/>
+              <a:rPr lang="nl-NL" smtClean="0"/>
+              <a:t>Titel van de presentatie</a:t>
+            </a:r>
+            <a:endParaRPr lang="nl-NL"/>
+          </a:p>
+        </p:txBody>
+      </p:sp>
+      <p:sp>
+        <p:nvSpPr>
+          <p:cNvPr id="3" name="Tijdelijke aanduiding voor dianummer 2"/>
+          <p:cNvSpPr>
+            <a:spLocks noGrp="1"/>
+          </p:cNvSpPr>
+          <p:nvPr>
+            <p:ph type="sldNum" sz="quarter" idx="12"/>
+          </p:nvPr>
+        </p:nvSpPr>
+        <p:spPr/>
+        <p:txBody>
+          <a:bodyPr/>
+          <a:lstStyle/>
+          <a:p>
+            <a:fld id="{14F1411D-0280-154F-AEAC-4C20B7AA46B2}" type="slidenum">
+              <a:rPr lang="nl-NL" smtClean="0"/>
+              <a:t>4</a:t>
+            </a:fld>
+            <a:endParaRPr lang="nl-NL"/>
+          </a:p>
+        </p:txBody>
+      </p:sp>
+      <p:sp>
+        <p:nvSpPr>
+          <p:cNvPr id="4" name="Titel 3"/>
+          <p:cNvSpPr>
+            <a:spLocks noGrp="1"/>
+          </p:cNvSpPr>
+          <p:nvPr>
+            <p:ph type="title"/>
+          </p:nvPr>
+        </p:nvSpPr>
+        <p:spPr/>
+        <p:txBody>
+          <a:bodyPr/>
+          <a:lstStyle/>
+          <a:p>
+            <a:r>
+              <a:rPr lang="nl-NL" dirty="0" err="1"/>
+              <a:t>s</a:t>
+            </a:r>
+            <a:r>
+              <a:rPr lang="nl-NL" dirty="0" err="1" smtClean="0"/>
+              <a:t>tderr</a:t>
+            </a:r>
+            <a:r>
+              <a:rPr lang="nl-NL" dirty="0" smtClean="0"/>
+              <a:t> </a:t>
+            </a:r>
+            <a:r>
+              <a:rPr lang="nl-NL" dirty="0" err="1" smtClean="0"/>
+              <a:t>and</a:t>
+            </a:r>
+            <a:r>
+              <a:rPr lang="nl-NL" dirty="0" smtClean="0"/>
+              <a:t> </a:t>
+            </a:r>
+            <a:r>
+              <a:rPr lang="nl-NL" dirty="0" err="1" smtClean="0"/>
+              <a:t>stdout</a:t>
+            </a:r>
+            <a:endParaRPr lang="nl-NL" dirty="0"/>
           </a:p>
         </p:txBody>
       </p:sp>
       <p:pic>
         <p:nvPicPr>
-          <p:cNvPr id="14" name="Afbeelding 13">
-            <a:extLst>
-              <a:ext uri="{FF2B5EF4-FFF2-40B4-BE49-F238E27FC236}">
-                <a16:creationId xmlns:a16="http://schemas.microsoft.com/office/drawing/2014/main" id="{C1CFBDE8-3F0D-4600-8BAD-613C38FF6CD4}"/>
-              </a:ext>
-            </a:extLst>
-          </p:cNvPr>
+          <p:cNvPr id="6" name="Afbeelding 5"/>
           <p:cNvPicPr>
             <a:picLocks noChangeAspect="1"/>
           </p:cNvPicPr>
           <p:nvPr/>
         </p:nvPicPr>
         <p:blipFill>
-          <a:blip r:embed="rId2"/>
+          <a:blip r:embed="rId2">
+            <a:extLst>
+              <a:ext uri="{28A0092B-C50C-407E-A947-70E740481C1C}">
+                <a14:useLocalDpi xmlns:a14="http://schemas.microsoft.com/office/drawing/2010/main" val="0"/>
+              </a:ext>
+            </a:extLst>
+          </a:blip>
           <a:stretch>
             <a:fillRect/>
           </a:stretch>
         </p:blipFill>
         <p:spPr>
           <a:xfrm>
-            <a:off x="981073" y="1258565"/>
-            <a:ext cx="6661421" cy="3132424"/>
+            <a:off x="1188503" y="1155619"/>
+            <a:ext cx="2781300" cy="1647825"/>
           </a:xfrm>
           <a:prstGeom prst="rect">
             <a:avLst/>
           </a:prstGeom>
         </p:spPr>
       </p:pic>
+      <p:pic>
+        <p:nvPicPr>
+          <p:cNvPr id="7" name="Afbeelding 6"/>
+          <p:cNvPicPr>
+            <a:picLocks noChangeAspect="1"/>
+          </p:cNvPicPr>
+          <p:nvPr/>
+        </p:nvPicPr>
+        <p:blipFill>
+          <a:blip r:embed="rId3">
+            <a:extLst>
+              <a:ext uri="{28A0092B-C50C-407E-A947-70E740481C1C}">
+                <a14:useLocalDpi xmlns:a14="http://schemas.microsoft.com/office/drawing/2010/main" val="0"/>
+              </a:ext>
+            </a:extLst>
+          </a:blip>
+          <a:stretch>
+            <a:fillRect/>
+          </a:stretch>
+        </p:blipFill>
+        <p:spPr>
+          <a:xfrm>
+            <a:off x="719999" y="3264509"/>
+            <a:ext cx="1158158" cy="986579"/>
+          </a:xfrm>
+          <a:prstGeom prst="rect">
+            <a:avLst/>
+          </a:prstGeom>
+        </p:spPr>
+      </p:pic>
+      <p:sp>
+        <p:nvSpPr>
+          <p:cNvPr id="8" name="Rechthoek 7"/>
+          <p:cNvSpPr/>
+          <p:nvPr/>
+        </p:nvSpPr>
+        <p:spPr>
+          <a:xfrm>
+            <a:off x="2374000" y="3452761"/>
+            <a:ext cx="4572000" cy="715581"/>
+          </a:xfrm>
+          <a:prstGeom prst="rect">
+            <a:avLst/>
+          </a:prstGeom>
+        </p:spPr>
+        <p:txBody>
+          <a:bodyPr>
+            <a:spAutoFit/>
+          </a:bodyPr>
+          <a:lstStyle/>
+          <a:p>
+            <a:r>
+              <a:rPr lang="en-US" dirty="0"/>
+              <a:t>By default in Kubernetes, Docker is configured to write a container's </a:t>
+            </a:r>
+            <a:r>
+              <a:rPr lang="en-US" dirty="0" err="1"/>
+              <a:t>stdout</a:t>
+            </a:r>
+            <a:r>
+              <a:rPr lang="en-US" dirty="0"/>
+              <a:t> and </a:t>
+            </a:r>
+            <a:r>
+              <a:rPr lang="en-US" dirty="0" err="1"/>
+              <a:t>stderr</a:t>
+            </a:r>
+            <a:r>
+              <a:rPr lang="en-US" dirty="0"/>
+              <a:t> to a file under </a:t>
+            </a:r>
+            <a:r>
+              <a:rPr lang="en-US" b="1" dirty="0"/>
+              <a:t>/</a:t>
+            </a:r>
+            <a:r>
+              <a:rPr lang="en-US" b="1" dirty="0" err="1"/>
+              <a:t>var</a:t>
+            </a:r>
+            <a:r>
+              <a:rPr lang="en-US" b="1" dirty="0"/>
+              <a:t>/log/containers </a:t>
+            </a:r>
+            <a:r>
+              <a:rPr lang="en-US" dirty="0"/>
+              <a:t>on the host system.</a:t>
+            </a:r>
+          </a:p>
+        </p:txBody>
+      </p:sp>
     </p:spTree>
     <p:extLst>
       <p:ext uri="{BB962C8B-B14F-4D97-AF65-F5344CB8AC3E}">
-        <p14:creationId xmlns:p14="http://schemas.microsoft.com/office/powerpoint/2010/main" val="1064619819"/>
+        <p14:creationId xmlns:p14="http://schemas.microsoft.com/office/powerpoint/2010/main" val="1427299010"/>
       </p:ext>
     </p:extLst>
   </p:cSld>
@@ -5988,18 +7673,12 @@
       </p:grpSpPr>
       <p:sp>
         <p:nvSpPr>
-          <p:cNvPr id="3" name="Titel 2">
-            <a:extLst>
-              <a:ext uri="{FF2B5EF4-FFF2-40B4-BE49-F238E27FC236}">
-                <a16:creationId xmlns:a16="http://schemas.microsoft.com/office/drawing/2014/main" id="{4E237F76-8D85-49C2-A26A-118908737EF4}"/>
-              </a:ext>
-            </a:extLst>
-          </p:cNvPr>
-          <p:cNvSpPr>
-            <a:spLocks noGrp="1"/>
-          </p:cNvSpPr>
-          <p:nvPr>
-            <p:ph type="title"/>
+          <p:cNvPr id="2" name="Tijdelijke aanduiding voor voettekst 1"/>
+          <p:cNvSpPr>
+            <a:spLocks noGrp="1"/>
+          </p:cNvSpPr>
+          <p:nvPr>
+            <p:ph type="ftr" sz="quarter" idx="11"/>
           </p:nvPr>
         </p:nvSpPr>
         <p:spPr/>
@@ -6008,22 +7687,519 @@
           <a:lstStyle/>
           <a:p>
             <a:r>
-              <a:rPr lang="en-US" dirty="0"/>
-              <a:t>Logging-agent</a:t>
-            </a:r>
-            <a:endParaRPr lang="en-NL" dirty="0"/>
+              <a:rPr lang="nl-NL" smtClean="0"/>
+              <a:t>Titel van de presentatie</a:t>
+            </a:r>
+            <a:endParaRPr lang="nl-NL"/>
+          </a:p>
+        </p:txBody>
+      </p:sp>
+      <p:sp>
+        <p:nvSpPr>
+          <p:cNvPr id="3" name="Tijdelijke aanduiding voor dianummer 2"/>
+          <p:cNvSpPr>
+            <a:spLocks noGrp="1"/>
+          </p:cNvSpPr>
+          <p:nvPr>
+            <p:ph type="sldNum" sz="quarter" idx="12"/>
+          </p:nvPr>
+        </p:nvSpPr>
+        <p:spPr/>
+        <p:txBody>
+          <a:bodyPr/>
+          <a:lstStyle/>
+          <a:p>
+            <a:fld id="{14F1411D-0280-154F-AEAC-4C20B7AA46B2}" type="slidenum">
+              <a:rPr lang="nl-NL" smtClean="0"/>
+              <a:t>5</a:t>
+            </a:fld>
+            <a:endParaRPr lang="nl-NL"/>
+          </a:p>
+        </p:txBody>
+      </p:sp>
+      <p:sp>
+        <p:nvSpPr>
+          <p:cNvPr id="4" name="Titel 3"/>
+          <p:cNvSpPr>
+            <a:spLocks noGrp="1"/>
+          </p:cNvSpPr>
+          <p:nvPr>
+            <p:ph type="title"/>
+          </p:nvPr>
+        </p:nvSpPr>
+        <p:spPr/>
+        <p:txBody>
+          <a:bodyPr/>
+          <a:lstStyle/>
+          <a:p>
+            <a:r>
+              <a:rPr lang="nl-NL" dirty="0" err="1" smtClean="0"/>
+              <a:t>Kubernetes</a:t>
+            </a:r>
+            <a:r>
+              <a:rPr lang="nl-NL" dirty="0" smtClean="0"/>
+              <a:t> system component logs</a:t>
+            </a:r>
+            <a:endParaRPr lang="nl-NL" dirty="0"/>
+          </a:p>
+        </p:txBody>
+      </p:sp>
+      <p:sp>
+        <p:nvSpPr>
+          <p:cNvPr id="6" name="Rechthoek 5"/>
+          <p:cNvSpPr/>
+          <p:nvPr/>
+        </p:nvSpPr>
+        <p:spPr>
+          <a:xfrm>
+            <a:off x="795647" y="1694587"/>
+            <a:ext cx="6548352" cy="3000821"/>
+          </a:xfrm>
+          <a:prstGeom prst="rect">
+            <a:avLst/>
+          </a:prstGeom>
+        </p:spPr>
+        <p:txBody>
+          <a:bodyPr wrap="square">
+            <a:spAutoFit/>
+          </a:bodyPr>
+          <a:lstStyle/>
+          <a:p>
+            <a:r>
+              <a:rPr lang="en-US" dirty="0" smtClean="0">
+                <a:solidFill>
+                  <a:srgbClr val="000000"/>
+                </a:solidFill>
+                <a:latin typeface="Roboto"/>
+              </a:rPr>
+              <a:t>There </a:t>
+            </a:r>
+            <a:r>
+              <a:rPr lang="en-US" dirty="0">
+                <a:solidFill>
+                  <a:srgbClr val="000000"/>
+                </a:solidFill>
+                <a:latin typeface="Roboto"/>
+              </a:rPr>
+              <a:t>are two types of system components: </a:t>
+            </a:r>
+            <a:endParaRPr lang="en-US" dirty="0" smtClean="0">
+              <a:solidFill>
+                <a:srgbClr val="000000"/>
+              </a:solidFill>
+              <a:latin typeface="Roboto"/>
+            </a:endParaRPr>
+          </a:p>
+          <a:p>
+            <a:endParaRPr lang="en-US" dirty="0" smtClean="0">
+              <a:solidFill>
+                <a:srgbClr val="000000"/>
+              </a:solidFill>
+              <a:latin typeface="Roboto"/>
+            </a:endParaRPr>
+          </a:p>
+          <a:p>
+            <a:pPr marL="285750" indent="-285750">
+              <a:buFont typeface="Arial" panose="020B0604020202020204" pitchFamily="34" charset="0"/>
+              <a:buChar char="•"/>
+            </a:pPr>
+            <a:r>
+              <a:rPr lang="en-US" dirty="0" smtClean="0">
+                <a:solidFill>
+                  <a:srgbClr val="000000"/>
+                </a:solidFill>
+                <a:latin typeface="Roboto"/>
+              </a:rPr>
+              <a:t>those </a:t>
+            </a:r>
+            <a:r>
+              <a:rPr lang="en-US" dirty="0">
+                <a:solidFill>
+                  <a:srgbClr val="000000"/>
+                </a:solidFill>
+                <a:latin typeface="Roboto"/>
+              </a:rPr>
+              <a:t>that run in a </a:t>
+            </a:r>
+            <a:r>
+              <a:rPr lang="en-US" dirty="0" smtClean="0">
+                <a:solidFill>
+                  <a:srgbClr val="000000"/>
+                </a:solidFill>
+                <a:latin typeface="Roboto"/>
+              </a:rPr>
+              <a:t>container; </a:t>
+            </a:r>
+          </a:p>
+          <a:p>
+            <a:pPr marL="628650" lvl="1" indent="-285750">
+              <a:buFont typeface="Courier New" panose="02070309020205020404" pitchFamily="49" charset="0"/>
+              <a:buChar char="o"/>
+            </a:pPr>
+            <a:r>
+              <a:rPr lang="en-US" dirty="0" smtClean="0">
+                <a:solidFill>
+                  <a:srgbClr val="000000"/>
+                </a:solidFill>
+                <a:latin typeface="Roboto"/>
+              </a:rPr>
+              <a:t>e.g. Kubernetes scheduler and </a:t>
+            </a:r>
+            <a:r>
+              <a:rPr lang="en-US" dirty="0" err="1" smtClean="0">
+                <a:solidFill>
+                  <a:srgbClr val="000000"/>
+                </a:solidFill>
+                <a:latin typeface="Roboto"/>
+              </a:rPr>
+              <a:t>kube</a:t>
+            </a:r>
+            <a:r>
+              <a:rPr lang="en-US" dirty="0" smtClean="0">
+                <a:solidFill>
+                  <a:srgbClr val="000000"/>
+                </a:solidFill>
+                <a:latin typeface="Roboto"/>
+              </a:rPr>
+              <a:t>-proxy</a:t>
+            </a:r>
+          </a:p>
+          <a:p>
+            <a:pPr lvl="1"/>
+            <a:endParaRPr lang="en-US" dirty="0" smtClean="0">
+              <a:solidFill>
+                <a:srgbClr val="000000"/>
+              </a:solidFill>
+              <a:latin typeface="Roboto"/>
+            </a:endParaRPr>
+          </a:p>
+          <a:p>
+            <a:pPr marL="285750" indent="-285750">
+              <a:buFont typeface="Arial" panose="020B0604020202020204" pitchFamily="34" charset="0"/>
+              <a:buChar char="•"/>
+            </a:pPr>
+            <a:r>
+              <a:rPr lang="en-US" dirty="0" smtClean="0">
+                <a:solidFill>
+                  <a:srgbClr val="000000"/>
+                </a:solidFill>
+                <a:latin typeface="Roboto"/>
+              </a:rPr>
+              <a:t>those </a:t>
+            </a:r>
+            <a:r>
+              <a:rPr lang="en-US" dirty="0">
+                <a:solidFill>
+                  <a:srgbClr val="000000"/>
+                </a:solidFill>
+                <a:latin typeface="Roboto"/>
+              </a:rPr>
+              <a:t>that do not run in a </a:t>
+            </a:r>
+            <a:r>
+              <a:rPr lang="en-US" dirty="0" smtClean="0">
+                <a:solidFill>
+                  <a:srgbClr val="000000"/>
+                </a:solidFill>
+                <a:latin typeface="Roboto"/>
+              </a:rPr>
+              <a:t>container</a:t>
+            </a:r>
+            <a:endParaRPr lang="en-US" dirty="0">
+              <a:solidFill>
+                <a:srgbClr val="000000"/>
+              </a:solidFill>
+              <a:latin typeface="Roboto"/>
+            </a:endParaRPr>
+          </a:p>
+          <a:p>
+            <a:pPr marL="628650" lvl="1" indent="-285750">
+              <a:buFont typeface="Courier New" panose="02070309020205020404" pitchFamily="49" charset="0"/>
+              <a:buChar char="o"/>
+            </a:pPr>
+            <a:r>
+              <a:rPr lang="en-US" dirty="0">
+                <a:solidFill>
+                  <a:srgbClr val="000000"/>
+                </a:solidFill>
+                <a:latin typeface="Roboto"/>
+              </a:rPr>
+              <a:t>e.g. </a:t>
+            </a:r>
+            <a:r>
+              <a:rPr lang="en-US" dirty="0" smtClean="0">
+                <a:solidFill>
+                  <a:srgbClr val="000000"/>
+                </a:solidFill>
+                <a:latin typeface="Roboto"/>
+              </a:rPr>
+              <a:t>Docker</a:t>
+            </a:r>
+            <a:endParaRPr lang="en-US" dirty="0">
+              <a:solidFill>
+                <a:srgbClr val="000000"/>
+              </a:solidFill>
+              <a:latin typeface="Roboto"/>
+            </a:endParaRPr>
+          </a:p>
+          <a:p>
+            <a:endParaRPr lang="en-US" dirty="0">
+              <a:solidFill>
+                <a:srgbClr val="000000"/>
+              </a:solidFill>
+              <a:latin typeface="Roboto"/>
+            </a:endParaRPr>
+          </a:p>
+          <a:p>
+            <a:r>
+              <a:rPr lang="en-US" dirty="0" smtClean="0">
+                <a:solidFill>
+                  <a:srgbClr val="000000"/>
+                </a:solidFill>
+                <a:latin typeface="Roboto"/>
+              </a:rPr>
+              <a:t>On </a:t>
+            </a:r>
+            <a:r>
+              <a:rPr lang="en-US" dirty="0">
+                <a:solidFill>
+                  <a:srgbClr val="000000"/>
+                </a:solidFill>
+                <a:latin typeface="Roboto"/>
+              </a:rPr>
+              <a:t>machines with </a:t>
+            </a:r>
+            <a:r>
+              <a:rPr lang="en-US" dirty="0" err="1">
+                <a:solidFill>
+                  <a:srgbClr val="000000"/>
+                </a:solidFill>
+                <a:latin typeface="Roboto"/>
+              </a:rPr>
+              <a:t>systemd</a:t>
+            </a:r>
+            <a:r>
+              <a:rPr lang="en-US" dirty="0">
+                <a:solidFill>
+                  <a:srgbClr val="000000"/>
+                </a:solidFill>
+                <a:latin typeface="Roboto"/>
+              </a:rPr>
+              <a:t>, the </a:t>
+            </a:r>
+            <a:r>
+              <a:rPr lang="en-US" dirty="0" err="1">
+                <a:solidFill>
+                  <a:srgbClr val="000000"/>
+                </a:solidFill>
+                <a:latin typeface="Roboto"/>
+              </a:rPr>
+              <a:t>kubelet</a:t>
+            </a:r>
+            <a:r>
+              <a:rPr lang="en-US" dirty="0">
+                <a:solidFill>
+                  <a:srgbClr val="000000"/>
+                </a:solidFill>
+                <a:latin typeface="Roboto"/>
+              </a:rPr>
+              <a:t> and container runtime write to </a:t>
+            </a:r>
+            <a:r>
+              <a:rPr lang="en-US" b="1" dirty="0" err="1">
+                <a:solidFill>
+                  <a:srgbClr val="000000"/>
+                </a:solidFill>
+                <a:latin typeface="Roboto"/>
+              </a:rPr>
+              <a:t>journald</a:t>
+            </a:r>
+            <a:r>
+              <a:rPr lang="en-US" dirty="0">
+                <a:solidFill>
+                  <a:srgbClr val="000000"/>
+                </a:solidFill>
+                <a:latin typeface="Roboto"/>
+              </a:rPr>
+              <a:t>. </a:t>
+            </a:r>
+            <a:endParaRPr lang="en-US" dirty="0" smtClean="0">
+              <a:solidFill>
+                <a:srgbClr val="000000"/>
+              </a:solidFill>
+              <a:latin typeface="Roboto"/>
+            </a:endParaRPr>
+          </a:p>
+          <a:p>
+            <a:r>
+              <a:rPr lang="en-US" dirty="0" smtClean="0">
+                <a:solidFill>
+                  <a:srgbClr val="000000"/>
+                </a:solidFill>
+                <a:latin typeface="Roboto"/>
+              </a:rPr>
+              <a:t>If </a:t>
+            </a:r>
+            <a:r>
+              <a:rPr lang="en-US" dirty="0" err="1">
+                <a:solidFill>
+                  <a:srgbClr val="000000"/>
+                </a:solidFill>
+                <a:latin typeface="Roboto"/>
+              </a:rPr>
+              <a:t>systemd</a:t>
+            </a:r>
+            <a:r>
+              <a:rPr lang="en-US" dirty="0">
+                <a:solidFill>
+                  <a:srgbClr val="000000"/>
+                </a:solidFill>
+                <a:latin typeface="Roboto"/>
+              </a:rPr>
+              <a:t> is not present, they write to .log files in the </a:t>
+            </a:r>
+            <a:r>
+              <a:rPr lang="en-US" b="1" dirty="0">
+                <a:solidFill>
+                  <a:srgbClr val="000000"/>
+                </a:solidFill>
+                <a:latin typeface="Roboto"/>
+              </a:rPr>
+              <a:t>/</a:t>
+            </a:r>
+            <a:r>
+              <a:rPr lang="en-US" b="1" dirty="0" err="1">
+                <a:solidFill>
+                  <a:srgbClr val="000000"/>
+                </a:solidFill>
+                <a:latin typeface="Roboto"/>
+              </a:rPr>
+              <a:t>var</a:t>
+            </a:r>
+            <a:r>
+              <a:rPr lang="en-US" b="1" dirty="0">
+                <a:solidFill>
+                  <a:srgbClr val="000000"/>
+                </a:solidFill>
+                <a:latin typeface="Roboto"/>
+              </a:rPr>
+              <a:t>/log</a:t>
+            </a:r>
+            <a:r>
+              <a:rPr lang="en-US" dirty="0">
+                <a:solidFill>
+                  <a:srgbClr val="000000"/>
+                </a:solidFill>
+                <a:latin typeface="Roboto"/>
+              </a:rPr>
+              <a:t> directory. </a:t>
+            </a:r>
+            <a:endParaRPr lang="en-US" dirty="0" smtClean="0">
+              <a:solidFill>
+                <a:srgbClr val="000000"/>
+              </a:solidFill>
+              <a:latin typeface="Roboto"/>
+            </a:endParaRPr>
+          </a:p>
+          <a:p>
+            <a:endParaRPr lang="en-US" dirty="0">
+              <a:solidFill>
+                <a:srgbClr val="000000"/>
+              </a:solidFill>
+              <a:latin typeface="Roboto"/>
+            </a:endParaRPr>
+          </a:p>
+          <a:p>
+            <a:r>
+              <a:rPr lang="en-US" dirty="0" smtClean="0">
+                <a:solidFill>
+                  <a:srgbClr val="000000"/>
+                </a:solidFill>
+                <a:latin typeface="Roboto"/>
+              </a:rPr>
+              <a:t>System </a:t>
+            </a:r>
+            <a:r>
+              <a:rPr lang="en-US" dirty="0">
+                <a:solidFill>
+                  <a:srgbClr val="000000"/>
+                </a:solidFill>
+                <a:latin typeface="Roboto"/>
+              </a:rPr>
+              <a:t>components inside containers always write to the </a:t>
+            </a:r>
+            <a:r>
+              <a:rPr lang="en-US" b="1" dirty="0">
+                <a:solidFill>
+                  <a:srgbClr val="000000"/>
+                </a:solidFill>
+                <a:latin typeface="Roboto"/>
+              </a:rPr>
+              <a:t>/</a:t>
+            </a:r>
+            <a:r>
+              <a:rPr lang="en-US" b="1" dirty="0" err="1">
+                <a:solidFill>
+                  <a:srgbClr val="000000"/>
+                </a:solidFill>
+                <a:latin typeface="Roboto"/>
+              </a:rPr>
+              <a:t>var</a:t>
+            </a:r>
+            <a:r>
+              <a:rPr lang="en-US" b="1" dirty="0">
+                <a:solidFill>
+                  <a:srgbClr val="000000"/>
+                </a:solidFill>
+                <a:latin typeface="Roboto"/>
+              </a:rPr>
+              <a:t>/log </a:t>
+            </a:r>
+            <a:r>
+              <a:rPr lang="en-US" dirty="0">
+                <a:solidFill>
+                  <a:srgbClr val="000000"/>
+                </a:solidFill>
+                <a:latin typeface="Roboto"/>
+              </a:rPr>
+              <a:t>directory, bypassing the default logging mechanism. They use the </a:t>
+            </a:r>
+            <a:r>
+              <a:rPr lang="en-US" dirty="0" err="1">
+                <a:solidFill>
+                  <a:srgbClr val="000000"/>
+                </a:solidFill>
+                <a:latin typeface="Roboto"/>
+              </a:rPr>
+              <a:t>klog</a:t>
+            </a:r>
+            <a:r>
+              <a:rPr lang="en-US" dirty="0">
+                <a:solidFill>
+                  <a:srgbClr val="000000"/>
+                </a:solidFill>
+                <a:latin typeface="Roboto"/>
+              </a:rPr>
+              <a:t> logging library.</a:t>
+            </a:r>
+          </a:p>
+          <a:p>
+            <a:pPr>
+              <a:buFont typeface="Arial" panose="020B0604020202020204" pitchFamily="34" charset="0"/>
+              <a:buChar char="•"/>
+            </a:pPr>
+            <a:endParaRPr lang="en-US" dirty="0">
+              <a:solidFill>
+                <a:srgbClr val="000000"/>
+              </a:solidFill>
+              <a:latin typeface="Roboto"/>
+            </a:endParaRPr>
           </a:p>
         </p:txBody>
       </p:sp>
       <p:pic>
         <p:nvPicPr>
-          <p:cNvPr id="20" name="Afbeelding 19">
-            <a:extLst>
-              <a:ext uri="{FF2B5EF4-FFF2-40B4-BE49-F238E27FC236}">
-                <a16:creationId xmlns:a16="http://schemas.microsoft.com/office/drawing/2014/main" id="{F4273D7C-A106-4B18-95BE-97403F14312D}"/>
-              </a:ext>
-            </a:extLst>
-          </p:cNvPr>
+          <p:cNvPr id="7" name="Afbeelding 6"/>
           <p:cNvPicPr>
             <a:picLocks noChangeAspect="1"/>
           </p:cNvPicPr>
@@ -6037,8 +8213,8 @@
         </p:blipFill>
         <p:spPr>
           <a:xfrm>
-            <a:off x="2004257" y="1053594"/>
-            <a:ext cx="4498734" cy="3143874"/>
+            <a:off x="795647" y="948018"/>
+            <a:ext cx="2076450" cy="590550"/>
           </a:xfrm>
           <a:prstGeom prst="rect">
             <a:avLst/>
@@ -6048,7 +8224,7 @@
     </p:spTree>
     <p:extLst>
       <p:ext uri="{BB962C8B-B14F-4D97-AF65-F5344CB8AC3E}">
-        <p14:creationId xmlns:p14="http://schemas.microsoft.com/office/powerpoint/2010/main" val="2066195230"/>
+        <p14:creationId xmlns:p14="http://schemas.microsoft.com/office/powerpoint/2010/main" val="2460983469"/>
       </p:ext>
     </p:extLst>
   </p:cSld>
@@ -6077,18 +8253,12 @@
       </p:grpSpPr>
       <p:sp>
         <p:nvSpPr>
-          <p:cNvPr id="2" name="Titel 1">
-            <a:extLst>
-              <a:ext uri="{FF2B5EF4-FFF2-40B4-BE49-F238E27FC236}">
-                <a16:creationId xmlns:a16="http://schemas.microsoft.com/office/drawing/2014/main" id="{59D143EF-A71B-4718-A6E7-EEB286C75A98}"/>
-              </a:ext>
-            </a:extLst>
-          </p:cNvPr>
-          <p:cNvSpPr>
-            <a:spLocks noGrp="1"/>
-          </p:cNvSpPr>
-          <p:nvPr>
-            <p:ph type="title"/>
+          <p:cNvPr id="2" name="Tijdelijke aanduiding voor voettekst 1"/>
+          <p:cNvSpPr>
+            <a:spLocks noGrp="1"/>
+          </p:cNvSpPr>
+          <p:nvPr>
+            <p:ph type="ftr" sz="quarter" idx="11"/>
           </p:nvPr>
         </p:nvSpPr>
         <p:spPr/>
@@ -6097,81 +8267,221 @@
           <a:lstStyle/>
           <a:p>
             <a:r>
-              <a:rPr lang="en-US" dirty="0"/>
-              <a:t>Logstash vs </a:t>
-            </a:r>
-            <a:r>
-              <a:rPr lang="en-US" dirty="0" err="1"/>
-              <a:t>Fluentd</a:t>
-            </a:r>
-            <a:endParaRPr lang="en-NL" dirty="0"/>
-          </a:p>
-        </p:txBody>
-      </p:sp>
-      <p:pic>
-        <p:nvPicPr>
-          <p:cNvPr id="8" name="Afbeelding 7">
-            <a:extLst>
-              <a:ext uri="{FF2B5EF4-FFF2-40B4-BE49-F238E27FC236}">
-                <a16:creationId xmlns:a16="http://schemas.microsoft.com/office/drawing/2014/main" id="{03A3FABC-5EFC-4F39-A1F9-1958537B991E}"/>
-              </a:ext>
-            </a:extLst>
-          </p:cNvPr>
-          <p:cNvPicPr>
-            <a:picLocks noChangeAspect="1"/>
-          </p:cNvPicPr>
+              <a:rPr lang="nl-NL" smtClean="0"/>
+              <a:t>Titel van de presentatie</a:t>
+            </a:r>
+            <a:endParaRPr lang="nl-NL"/>
+          </a:p>
+        </p:txBody>
+      </p:sp>
+      <p:sp>
+        <p:nvSpPr>
+          <p:cNvPr id="3" name="Tijdelijke aanduiding voor dianummer 2"/>
+          <p:cNvSpPr>
+            <a:spLocks noGrp="1"/>
+          </p:cNvSpPr>
+          <p:nvPr>
+            <p:ph type="sldNum" sz="quarter" idx="12"/>
+          </p:nvPr>
+        </p:nvSpPr>
+        <p:spPr/>
+        <p:txBody>
+          <a:bodyPr/>
+          <a:lstStyle/>
+          <a:p>
+            <a:fld id="{14F1411D-0280-154F-AEAC-4C20B7AA46B2}" type="slidenum">
+              <a:rPr lang="nl-NL" smtClean="0"/>
+              <a:t>6</a:t>
+            </a:fld>
+            <a:endParaRPr lang="nl-NL"/>
+          </a:p>
+        </p:txBody>
+      </p:sp>
+      <p:sp>
+        <p:nvSpPr>
+          <p:cNvPr id="4" name="Titel 3"/>
+          <p:cNvSpPr>
+            <a:spLocks noGrp="1"/>
+          </p:cNvSpPr>
+          <p:nvPr>
+            <p:ph type="title"/>
+          </p:nvPr>
+        </p:nvSpPr>
+        <p:spPr/>
+        <p:txBody>
+          <a:bodyPr/>
+          <a:lstStyle/>
+          <a:p>
+            <a:r>
+              <a:rPr lang="nl-NL" dirty="0" smtClean="0"/>
+              <a:t>Log </a:t>
+            </a:r>
+            <a:r>
+              <a:rPr lang="nl-NL" dirty="0" err="1" smtClean="0"/>
+              <a:t>rotation</a:t>
+            </a:r>
+            <a:endParaRPr lang="nl-NL" dirty="0"/>
+          </a:p>
+        </p:txBody>
+      </p:sp>
+      <p:sp>
+        <p:nvSpPr>
+          <p:cNvPr id="7" name="Tekstvak 6"/>
+          <p:cNvSpPr txBox="1"/>
           <p:nvPr/>
-        </p:nvPicPr>
-        <p:blipFill>
-          <a:blip r:embed="rId2"/>
-          <a:stretch>
-            <a:fillRect/>
-          </a:stretch>
-        </p:blipFill>
-        <p:spPr>
-          <a:xfrm>
-            <a:off x="625872" y="900903"/>
-            <a:ext cx="6760185" cy="2688600"/>
+        </p:nvSpPr>
+        <p:spPr>
+          <a:xfrm>
+            <a:off x="826477" y="1166447"/>
+            <a:ext cx="6676292" cy="2631490"/>
           </a:xfrm>
           <a:prstGeom prst="rect">
             <a:avLst/>
           </a:prstGeom>
-        </p:spPr>
-      </p:pic>
-      <p:pic>
-        <p:nvPicPr>
-          <p:cNvPr id="9" name="Afbeelding 8">
-            <a:extLst>
-              <a:ext uri="{FF2B5EF4-FFF2-40B4-BE49-F238E27FC236}">
-                <a16:creationId xmlns:a16="http://schemas.microsoft.com/office/drawing/2014/main" id="{A339BB9E-44FB-41B3-9763-4FD88583DC33}"/>
-              </a:ext>
-            </a:extLst>
-          </p:cNvPr>
-          <p:cNvPicPr>
-            <a:picLocks noChangeAspect="1"/>
-          </p:cNvPicPr>
-          <p:nvPr/>
-        </p:nvPicPr>
-        <p:blipFill>
-          <a:blip r:embed="rId3"/>
-          <a:stretch>
-            <a:fillRect/>
-          </a:stretch>
-        </p:blipFill>
-        <p:spPr>
-          <a:xfrm>
-            <a:off x="1332795" y="3450272"/>
-            <a:ext cx="6292827" cy="1454039"/>
-          </a:xfrm>
-          <a:prstGeom prst="rect">
-            <a:avLst/>
-          </a:prstGeom>
-        </p:spPr>
-      </p:pic>
+          <a:noFill/>
+        </p:spPr>
+        <p:txBody>
+          <a:bodyPr wrap="square" lIns="0" tIns="0" rIns="0" bIns="0" rtlCol="0">
+            <a:spAutoFit/>
+          </a:bodyPr>
+          <a:lstStyle/>
+          <a:p>
+            <a:r>
+              <a:rPr lang="nl-NL" sz="1300" dirty="0" smtClean="0"/>
+              <a:t>Logs </a:t>
+            </a:r>
+            <a:r>
+              <a:rPr lang="nl-NL" sz="1300" dirty="0" err="1" smtClean="0"/>
+              <a:t>consume</a:t>
+            </a:r>
+            <a:r>
+              <a:rPr lang="nl-NL" sz="1300" dirty="0" smtClean="0"/>
+              <a:t> </a:t>
+            </a:r>
+            <a:r>
+              <a:rPr lang="nl-NL" sz="1300" dirty="0" err="1" smtClean="0"/>
+              <a:t>available</a:t>
+            </a:r>
+            <a:r>
+              <a:rPr lang="nl-NL" sz="1300" dirty="0" smtClean="0"/>
+              <a:t> storage on </a:t>
+            </a:r>
+            <a:r>
+              <a:rPr lang="nl-NL" sz="1300" dirty="0" err="1" smtClean="0"/>
+              <a:t>the</a:t>
+            </a:r>
+            <a:r>
+              <a:rPr lang="nl-NL" sz="1300" dirty="0" smtClean="0"/>
+              <a:t> node level !!!!</a:t>
+            </a:r>
+          </a:p>
+          <a:p>
+            <a:endParaRPr lang="nl-NL" sz="1300" dirty="0"/>
+          </a:p>
+          <a:p>
+            <a:r>
+              <a:rPr lang="en-US" sz="1200" dirty="0" smtClean="0"/>
+              <a:t>Kubernetes </a:t>
+            </a:r>
+            <a:r>
+              <a:rPr lang="en-US" sz="1200" dirty="0"/>
+              <a:t>currently is not responsible for rotating </a:t>
+            </a:r>
+            <a:r>
+              <a:rPr lang="en-US" sz="1200" dirty="0" smtClean="0"/>
+              <a:t>logs</a:t>
+            </a:r>
+          </a:p>
+          <a:p>
+            <a:endParaRPr lang="en-US" sz="1200" dirty="0"/>
+          </a:p>
+          <a:p>
+            <a:r>
+              <a:rPr lang="en-US" sz="1200" dirty="0" smtClean="0"/>
+              <a:t>A </a:t>
+            </a:r>
+            <a:r>
+              <a:rPr lang="en-US" sz="1200" dirty="0"/>
+              <a:t>deployment tool should set up a solution to address </a:t>
+            </a:r>
+            <a:r>
+              <a:rPr lang="en-US" sz="1200" dirty="0" smtClean="0"/>
+              <a:t>that:</a:t>
+            </a:r>
+          </a:p>
+          <a:p>
+            <a:endParaRPr lang="en-US" sz="1200" dirty="0" smtClean="0"/>
+          </a:p>
+          <a:p>
+            <a:pPr marL="171450" indent="-171450">
+              <a:buFont typeface="Arial" panose="020B0604020202020204" pitchFamily="34" charset="0"/>
+              <a:buChar char="•"/>
+            </a:pPr>
+            <a:r>
+              <a:rPr lang="en-US" sz="1200" dirty="0"/>
+              <a:t>in Kubernetes clusters, deployed by the </a:t>
+            </a:r>
+            <a:r>
+              <a:rPr lang="en-US" sz="1200" b="1" dirty="0"/>
+              <a:t>kube-up.sh</a:t>
+            </a:r>
+            <a:r>
+              <a:rPr lang="en-US" sz="1200" dirty="0"/>
+              <a:t> script, there is a </a:t>
+            </a:r>
+            <a:r>
+              <a:rPr lang="en-US" sz="1200" dirty="0" err="1"/>
+              <a:t>logrotate</a:t>
+            </a:r>
+            <a:r>
+              <a:rPr lang="en-US" sz="1200" dirty="0"/>
+              <a:t> tool configured to run </a:t>
+            </a:r>
+            <a:r>
+              <a:rPr lang="en-US" sz="1200" b="1" dirty="0"/>
+              <a:t>each </a:t>
+            </a:r>
+            <a:r>
+              <a:rPr lang="en-US" sz="1200" b="1" dirty="0" smtClean="0"/>
+              <a:t>hour (or when size &gt; 100 MB)</a:t>
+            </a:r>
+          </a:p>
+          <a:p>
+            <a:endParaRPr lang="en-US" sz="1200" b="1" dirty="0" smtClean="0"/>
+          </a:p>
+          <a:p>
+            <a:pPr marL="171450" indent="-171450">
+              <a:buFont typeface="Arial" panose="020B0604020202020204" pitchFamily="34" charset="0"/>
+              <a:buChar char="•"/>
+            </a:pPr>
+            <a:r>
+              <a:rPr lang="en-US" sz="1200" dirty="0" smtClean="0"/>
+              <a:t>You </a:t>
+            </a:r>
+            <a:r>
+              <a:rPr lang="en-US" sz="1200" dirty="0"/>
+              <a:t>can also set up a container runtime to rotate application’s logs automatically, e.g. by using Docker’s </a:t>
+            </a:r>
+            <a:r>
+              <a:rPr lang="en-US" sz="1200" b="1" dirty="0"/>
+              <a:t>log-opt</a:t>
+            </a:r>
+          </a:p>
+          <a:p>
+            <a:endParaRPr lang="en-US" sz="1200" dirty="0" smtClean="0"/>
+          </a:p>
+          <a:p>
+            <a:endParaRPr lang="en-US" sz="1200" dirty="0" smtClean="0"/>
+          </a:p>
+          <a:p>
+            <a:endParaRPr lang="nl-NL" sz="1300" dirty="0" err="1" smtClean="0"/>
+          </a:p>
+        </p:txBody>
+      </p:sp>
     </p:spTree>
     <p:extLst>
       <p:ext uri="{BB962C8B-B14F-4D97-AF65-F5344CB8AC3E}">
-        <p14:creationId xmlns:p14="http://schemas.microsoft.com/office/powerpoint/2010/main" val="753150340"/>
+        <p14:creationId xmlns:p14="http://schemas.microsoft.com/office/powerpoint/2010/main" val="573017806"/>
       </p:ext>
     </p:extLst>
   </p:cSld>
@@ -6200,10 +8510,10 @@
       </p:grpSpPr>
       <p:sp>
         <p:nvSpPr>
-          <p:cNvPr id="2" name="Tijdelijke aanduiding voor voettekst 1">
+          <p:cNvPr id="2" name="Titel 1">
             <a:extLst>
               <a:ext uri="{FF2B5EF4-FFF2-40B4-BE49-F238E27FC236}">
-                <a16:creationId xmlns:a16="http://schemas.microsoft.com/office/drawing/2014/main" id="{6445B399-15FB-4E53-84D6-665A0A811FE5}"/>
+                <a16:creationId xmlns="" xmlns:a16="http://schemas.microsoft.com/office/drawing/2014/main" id="{A842491D-06D1-4ED7-9C85-E2B1A6803DD4}"/>
               </a:ext>
             </a:extLst>
           </p:cNvPr>
@@ -6211,7 +8521,7 @@
             <a:spLocks noGrp="1"/>
           </p:cNvSpPr>
           <p:nvPr>
-            <p:ph type="ftr" sz="quarter" idx="11"/>
+            <p:ph type="title"/>
           </p:nvPr>
         </p:nvSpPr>
         <p:spPr/>
@@ -6220,26 +8530,148 @@
           <a:lstStyle/>
           <a:p>
             <a:r>
-              <a:rPr lang="nl-NL"/>
-              <a:t>Titel van de presentatie</a:t>
-            </a:r>
-          </a:p>
-        </p:txBody>
-      </p:sp>
-      <p:sp>
-        <p:nvSpPr>
-          <p:cNvPr id="3" name="Tijdelijke aanduiding voor dianummer 2">
+              <a:rPr lang="en-US" dirty="0" smtClean="0"/>
+              <a:t>Cluster level logging</a:t>
+            </a:r>
+            <a:endParaRPr lang="x-none" dirty="0"/>
+          </a:p>
+        </p:txBody>
+      </p:sp>
+      <p:pic>
+        <p:nvPicPr>
+          <p:cNvPr id="7" name="Tijdelijke aanduiding voor afbeelding 6">
             <a:extLst>
               <a:ext uri="{FF2B5EF4-FFF2-40B4-BE49-F238E27FC236}">
-                <a16:creationId xmlns:a16="http://schemas.microsoft.com/office/drawing/2014/main" id="{16146747-8977-4045-8B29-86548DC90384}"/>
+                <a16:creationId xmlns="" xmlns:a16="http://schemas.microsoft.com/office/drawing/2014/main" id="{9EFB314B-0B7C-4040-A5CC-E599D640B10D}"/>
               </a:ext>
             </a:extLst>
           </p:cNvPr>
-          <p:cNvSpPr>
-            <a:spLocks noGrp="1"/>
-          </p:cNvSpPr>
-          <p:nvPr>
-            <p:ph type="sldNum" sz="quarter" idx="12"/>
+          <p:cNvPicPr>
+            <a:picLocks noGrp="1" noChangeAspect="1"/>
+          </p:cNvPicPr>
+          <p:nvPr>
+            <p:ph type="pic" idx="13"/>
+          </p:nvPr>
+        </p:nvPicPr>
+        <p:blipFill>
+          <a:blip r:embed="rId2"/>
+          <a:srcRect t="10461" b="10461"/>
+          <a:stretch>
+            <a:fillRect/>
+          </a:stretch>
+        </p:blipFill>
+        <p:spPr>
+          <a:xfrm>
+            <a:off x="1227022" y="1095811"/>
+            <a:ext cx="5785338" cy="2220750"/>
+          </a:xfrm>
+        </p:spPr>
+      </p:pic>
+      <p:sp>
+        <p:nvSpPr>
+          <p:cNvPr id="3" name="Tekstvak 2"/>
+          <p:cNvSpPr txBox="1"/>
+          <p:nvPr/>
+        </p:nvSpPr>
+        <p:spPr>
+          <a:xfrm>
+            <a:off x="719999" y="3620373"/>
+            <a:ext cx="6431078" cy="400110"/>
+          </a:xfrm>
+          <a:prstGeom prst="rect">
+            <a:avLst/>
+          </a:prstGeom>
+          <a:noFill/>
+        </p:spPr>
+        <p:txBody>
+          <a:bodyPr wrap="square" lIns="0" tIns="0" rIns="0" bIns="0" rtlCol="0">
+            <a:spAutoFit/>
+          </a:bodyPr>
+          <a:lstStyle/>
+          <a:p>
+            <a:r>
+              <a:rPr lang="nl-NL" sz="1300" b="1" dirty="0" err="1" smtClean="0"/>
+              <a:t>Requirements</a:t>
+            </a:r>
+            <a:r>
+              <a:rPr lang="nl-NL" sz="1300" b="1" dirty="0" smtClean="0"/>
+              <a:t>:</a:t>
+            </a:r>
+          </a:p>
+          <a:p>
+            <a:pPr marL="285750" indent="-285750">
+              <a:buFont typeface="Arial" panose="020B0604020202020204" pitchFamily="34" charset="0"/>
+              <a:buChar char="•"/>
+            </a:pPr>
+            <a:r>
+              <a:rPr lang="nl-NL" sz="1300" dirty="0" smtClean="0"/>
+              <a:t>Separate backend </a:t>
+            </a:r>
+            <a:r>
+              <a:rPr lang="nl-NL" sz="1300" dirty="0" err="1" smtClean="0"/>
+              <a:t>to</a:t>
+            </a:r>
+            <a:r>
+              <a:rPr lang="nl-NL" sz="1300" dirty="0" smtClean="0"/>
+              <a:t> store, </a:t>
+            </a:r>
+            <a:r>
+              <a:rPr lang="nl-NL" sz="1300" dirty="0" err="1" smtClean="0"/>
+              <a:t>analyze</a:t>
+            </a:r>
+            <a:r>
+              <a:rPr lang="nl-NL" sz="1300" dirty="0" smtClean="0"/>
+              <a:t> </a:t>
+            </a:r>
+            <a:r>
+              <a:rPr lang="nl-NL" sz="1300" dirty="0" err="1" smtClean="0"/>
+              <a:t>and</a:t>
+            </a:r>
+            <a:r>
+              <a:rPr lang="nl-NL" sz="1300" dirty="0" smtClean="0"/>
+              <a:t> query logs</a:t>
+            </a:r>
+          </a:p>
+        </p:txBody>
+      </p:sp>
+    </p:spTree>
+    <p:extLst>
+      <p:ext uri="{BB962C8B-B14F-4D97-AF65-F5344CB8AC3E}">
+        <p14:creationId xmlns:p14="http://schemas.microsoft.com/office/powerpoint/2010/main" val="213951777"/>
+      </p:ext>
+    </p:extLst>
+  </p:cSld>
+  <p:clrMapOvr>
+    <a:masterClrMapping/>
+  </p:clrMapOvr>
+</p:sld>
+</file>
+
+<file path=ppt/slides/slide8.xml><?xml version="1.0" encoding="utf-8"?>
+<p:sld xmlns:a="http://schemas.openxmlformats.org/drawingml/2006/main" xmlns:r="http://schemas.openxmlformats.org/officeDocument/2006/relationships" xmlns:p="http://schemas.openxmlformats.org/presentationml/2006/main">
+  <p:cSld>
+    <p:spTree>
+      <p:nvGrpSpPr>
+        <p:cNvPr id="1" name=""/>
+        <p:cNvGrpSpPr/>
+        <p:nvPr/>
+      </p:nvGrpSpPr>
+      <p:grpSpPr>
+        <a:xfrm>
+          <a:off x="0" y="0"/>
+          <a:ext cx="0" cy="0"/>
+          <a:chOff x="0" y="0"/>
+          <a:chExt cx="0" cy="0"/>
+        </a:xfrm>
+      </p:grpSpPr>
+      <p:sp>
+        <p:nvSpPr>
+          <p:cNvPr id="2" name="Tijdelijke aanduiding voor voettekst 1"/>
+          <p:cNvSpPr>
+            <a:spLocks noGrp="1"/>
+          </p:cNvSpPr>
+          <p:nvPr>
+            <p:ph type="ftr" sz="quarter" idx="11"/>
           </p:nvPr>
         </p:nvSpPr>
         <p:spPr/>
@@ -6247,9 +8679,32 @@
           <a:bodyPr/>
           <a:lstStyle/>
           <a:p>
+            <a:r>
+              <a:rPr lang="nl-NL" smtClean="0"/>
+              <a:t>Titel van de presentatie</a:t>
+            </a:r>
+            <a:endParaRPr lang="nl-NL"/>
+          </a:p>
+        </p:txBody>
+      </p:sp>
+      <p:sp>
+        <p:nvSpPr>
+          <p:cNvPr id="3" name="Tijdelijke aanduiding voor dianummer 2"/>
+          <p:cNvSpPr>
+            <a:spLocks noGrp="1"/>
+          </p:cNvSpPr>
+          <p:nvPr>
+            <p:ph type="sldNum" sz="quarter" idx="12"/>
+          </p:nvPr>
+        </p:nvSpPr>
+        <p:spPr/>
+        <p:txBody>
+          <a:bodyPr/>
+          <a:lstStyle/>
+          <a:p>
             <a:fld id="{14F1411D-0280-154F-AEAC-4C20B7AA46B2}" type="slidenum">
               <a:rPr lang="nl-NL" smtClean="0"/>
-              <a:t>7</a:t>
+              <a:t>8</a:t>
             </a:fld>
             <a:endParaRPr lang="nl-NL"/>
           </a:p>
@@ -6257,13 +8712,7 @@
       </p:sp>
       <p:sp>
         <p:nvSpPr>
-          <p:cNvPr id="4" name="Titel 3">
-            <a:extLst>
-              <a:ext uri="{FF2B5EF4-FFF2-40B4-BE49-F238E27FC236}">
-                <a16:creationId xmlns:a16="http://schemas.microsoft.com/office/drawing/2014/main" id="{5AAFE3B4-5B7E-4127-841F-DFD6CFEF780B}"/>
-              </a:ext>
-            </a:extLst>
-          </p:cNvPr>
+          <p:cNvPr id="4" name="Titel 3"/>
           <p:cNvSpPr>
             <a:spLocks noGrp="1"/>
           </p:cNvSpPr>
@@ -6277,29 +8726,42 @@
           <a:lstStyle/>
           <a:p>
             <a:r>
-              <a:rPr lang="en-US" dirty="0"/>
-              <a:t>Coming up</a:t>
-            </a:r>
-            <a:endParaRPr lang="en-NL" dirty="0"/>
-          </a:p>
-        </p:txBody>
-      </p:sp>
-      <p:sp>
-        <p:nvSpPr>
-          <p:cNvPr id="6" name="Rechthoek 5">
-            <a:extLst>
-              <a:ext uri="{FF2B5EF4-FFF2-40B4-BE49-F238E27FC236}">
-                <a16:creationId xmlns:a16="http://schemas.microsoft.com/office/drawing/2014/main" id="{C495CFFE-CAA8-43CA-91B4-3BEC8B8E3A42}"/>
-              </a:ext>
-            </a:extLst>
-          </p:cNvPr>
+              <a:rPr lang="nl-NL" dirty="0"/>
+              <a:t>Cluster-level </a:t>
+            </a:r>
+            <a:r>
+              <a:rPr lang="nl-NL" dirty="0" err="1"/>
+              <a:t>logging</a:t>
+            </a:r>
+            <a:r>
+              <a:rPr lang="nl-NL" dirty="0"/>
+              <a:t> </a:t>
+            </a:r>
+            <a:r>
+              <a:rPr lang="nl-NL" dirty="0" err="1"/>
+              <a:t>architectures</a:t>
+            </a:r>
+            <a:r>
+              <a:rPr lang="nl-NL" b="0" dirty="0"/>
+              <a:t/>
+            </a:r>
+            <a:br>
+              <a:rPr lang="nl-NL" b="0" dirty="0"/>
+            </a:br>
+            <a:endParaRPr lang="nl-NL" dirty="0"/>
+          </a:p>
+        </p:txBody>
+      </p:sp>
+      <p:sp>
+        <p:nvSpPr>
+          <p:cNvPr id="7" name="Rechthoek 6"/>
           <p:cNvSpPr/>
           <p:nvPr/>
         </p:nvSpPr>
         <p:spPr>
           <a:xfrm>
-            <a:off x="770611" y="4165412"/>
-            <a:ext cx="7768317" cy="338554"/>
+            <a:off x="990599" y="1230923"/>
+            <a:ext cx="6793523" cy="1962076"/>
           </a:xfrm>
           <a:prstGeom prst="rect">
             <a:avLst/>
@@ -6312,19 +8774,247 @@
           <a:lstStyle/>
           <a:p>
             <a:r>
-              <a:rPr lang="en-US" sz="1600" b="1" dirty="0"/>
-              <a:t>https://github.com/AMIS-Services/sig-kubernetes/tree/master/SIG02-logging</a:t>
-            </a:r>
-            <a:endParaRPr lang="en-NL" sz="1600" b="1" dirty="0"/>
+              <a:rPr lang="en-US" dirty="0">
+                <a:solidFill>
+                  <a:srgbClr val="000000"/>
+                </a:solidFill>
+                <a:latin typeface="Roboto"/>
+              </a:rPr>
+              <a:t>While Kubernetes does not provide a native solution for cluster-level </a:t>
+            </a:r>
+            <a:r>
+              <a:rPr lang="en-US" dirty="0" smtClean="0">
+                <a:solidFill>
+                  <a:srgbClr val="000000"/>
+                </a:solidFill>
+                <a:latin typeface="Roboto"/>
+              </a:rPr>
+              <a:t>logging</a:t>
+            </a:r>
+          </a:p>
+          <a:p>
+            <a:endParaRPr lang="en-US" dirty="0">
+              <a:solidFill>
+                <a:srgbClr val="000000"/>
+              </a:solidFill>
+              <a:latin typeface="Roboto"/>
+            </a:endParaRPr>
+          </a:p>
+          <a:p>
+            <a:r>
+              <a:rPr lang="en-US" dirty="0" smtClean="0">
+                <a:solidFill>
+                  <a:srgbClr val="000000"/>
+                </a:solidFill>
+                <a:latin typeface="Roboto"/>
+              </a:rPr>
+              <a:t>There </a:t>
+            </a:r>
+            <a:r>
+              <a:rPr lang="en-US" dirty="0">
+                <a:solidFill>
+                  <a:srgbClr val="000000"/>
+                </a:solidFill>
+                <a:latin typeface="Roboto"/>
+              </a:rPr>
+              <a:t>are several common </a:t>
+            </a:r>
+            <a:r>
+              <a:rPr lang="en-US" dirty="0" smtClean="0">
+                <a:solidFill>
+                  <a:srgbClr val="000000"/>
+                </a:solidFill>
+                <a:latin typeface="Roboto"/>
+              </a:rPr>
+              <a:t>approaches:</a:t>
+            </a:r>
+          </a:p>
+          <a:p>
+            <a:endParaRPr lang="en-US" dirty="0">
+              <a:solidFill>
+                <a:srgbClr val="000000"/>
+              </a:solidFill>
+              <a:latin typeface="Roboto"/>
+            </a:endParaRPr>
+          </a:p>
+          <a:p>
+            <a:pPr marL="285750" indent="-285750">
+              <a:buFont typeface="Arial" panose="020B0604020202020204" pitchFamily="34" charset="0"/>
+              <a:buChar char="•"/>
+            </a:pPr>
+            <a:r>
+              <a:rPr lang="en-US" dirty="0" smtClean="0">
+                <a:solidFill>
+                  <a:srgbClr val="000000"/>
+                </a:solidFill>
+                <a:latin typeface="Roboto"/>
+              </a:rPr>
+              <a:t>Use </a:t>
+            </a:r>
+            <a:r>
+              <a:rPr lang="en-US" dirty="0">
+                <a:solidFill>
+                  <a:srgbClr val="000000"/>
+                </a:solidFill>
+                <a:latin typeface="Roboto"/>
+              </a:rPr>
+              <a:t>a node-level logging agent that runs on every </a:t>
+            </a:r>
+            <a:r>
+              <a:rPr lang="en-US" dirty="0" smtClean="0">
+                <a:solidFill>
+                  <a:srgbClr val="000000"/>
+                </a:solidFill>
+                <a:latin typeface="Roboto"/>
+              </a:rPr>
+              <a:t>node</a:t>
+            </a:r>
+            <a:r>
+              <a:rPr lang="en-US" dirty="0">
+                <a:solidFill>
+                  <a:srgbClr val="000000"/>
+                </a:solidFill>
+                <a:latin typeface="Roboto"/>
+              </a:rPr>
+              <a:t>;</a:t>
+            </a:r>
+            <a:endParaRPr lang="en-US" dirty="0" smtClean="0">
+              <a:solidFill>
+                <a:srgbClr val="000000"/>
+              </a:solidFill>
+              <a:latin typeface="Roboto"/>
+            </a:endParaRPr>
+          </a:p>
+          <a:p>
+            <a:pPr marL="285750" indent="-285750">
+              <a:buFont typeface="Arial" panose="020B0604020202020204" pitchFamily="34" charset="0"/>
+              <a:buChar char="•"/>
+            </a:pPr>
+            <a:endParaRPr lang="en-US" dirty="0">
+              <a:solidFill>
+                <a:srgbClr val="000000"/>
+              </a:solidFill>
+              <a:latin typeface="Roboto"/>
+            </a:endParaRPr>
+          </a:p>
+          <a:p>
+            <a:pPr marL="285750" indent="-285750">
+              <a:buFont typeface="Arial" panose="020B0604020202020204" pitchFamily="34" charset="0"/>
+              <a:buChar char="•"/>
+            </a:pPr>
+            <a:r>
+              <a:rPr lang="en-US" dirty="0">
+                <a:solidFill>
+                  <a:srgbClr val="000000"/>
+                </a:solidFill>
+                <a:latin typeface="Roboto"/>
+              </a:rPr>
+              <a:t>Include a dedicated sidecar container for logging in an application pod</a:t>
+            </a:r>
+            <a:r>
+              <a:rPr lang="en-US" dirty="0" smtClean="0">
+                <a:solidFill>
+                  <a:srgbClr val="000000"/>
+                </a:solidFill>
+                <a:latin typeface="Roboto"/>
+              </a:rPr>
+              <a:t>.</a:t>
+            </a:r>
+          </a:p>
+          <a:p>
+            <a:pPr>
+              <a:buFont typeface="Arial" panose="020B0604020202020204" pitchFamily="34" charset="0"/>
+              <a:buChar char="•"/>
+            </a:pPr>
+            <a:endParaRPr lang="en-US" dirty="0">
+              <a:solidFill>
+                <a:srgbClr val="000000"/>
+              </a:solidFill>
+              <a:latin typeface="Roboto"/>
+            </a:endParaRPr>
+          </a:p>
+          <a:p>
+            <a:pPr marL="285750" indent="-285750">
+              <a:buFont typeface="Arial" panose="020B0604020202020204" pitchFamily="34" charset="0"/>
+              <a:buChar char="•"/>
+            </a:pPr>
+            <a:r>
+              <a:rPr lang="en-US" dirty="0">
+                <a:solidFill>
+                  <a:srgbClr val="000000"/>
+                </a:solidFill>
+                <a:latin typeface="Roboto"/>
+              </a:rPr>
+              <a:t>Push logs directly to a backend from within an application</a:t>
+            </a:r>
+          </a:p>
+        </p:txBody>
+      </p:sp>
+    </p:spTree>
+    <p:extLst>
+      <p:ext uri="{BB962C8B-B14F-4D97-AF65-F5344CB8AC3E}">
+        <p14:creationId xmlns:p14="http://schemas.microsoft.com/office/powerpoint/2010/main" val="3361602029"/>
+      </p:ext>
+    </p:extLst>
+  </p:cSld>
+  <p:clrMapOvr>
+    <a:masterClrMapping/>
+  </p:clrMapOvr>
+</p:sld>
+</file>
+
+<file path=ppt/slides/slide9.xml><?xml version="1.0" encoding="utf-8"?>
+<p:sld xmlns:a="http://schemas.openxmlformats.org/drawingml/2006/main" xmlns:r="http://schemas.openxmlformats.org/officeDocument/2006/relationships" xmlns:p="http://schemas.openxmlformats.org/presentationml/2006/main">
+  <p:cSld>
+    <p:spTree>
+      <p:nvGrpSpPr>
+        <p:cNvPr id="1" name=""/>
+        <p:cNvGrpSpPr/>
+        <p:nvPr/>
+      </p:nvGrpSpPr>
+      <p:grpSpPr>
+        <a:xfrm>
+          <a:off x="0" y="0"/>
+          <a:ext cx="0" cy="0"/>
+          <a:chOff x="0" y="0"/>
+          <a:chExt cx="0" cy="0"/>
+        </a:xfrm>
+      </p:grpSpPr>
+      <p:sp>
+        <p:nvSpPr>
+          <p:cNvPr id="3" name="Titel 2">
+            <a:extLst>
+              <a:ext uri="{FF2B5EF4-FFF2-40B4-BE49-F238E27FC236}">
+                <a16:creationId xmlns="" xmlns:a16="http://schemas.microsoft.com/office/drawing/2014/main" id="{4E237F76-8D85-49C2-A26A-118908737EF4}"/>
+              </a:ext>
+            </a:extLst>
+          </p:cNvPr>
+          <p:cNvSpPr>
+            <a:spLocks noGrp="1"/>
+          </p:cNvSpPr>
+          <p:nvPr>
+            <p:ph type="title"/>
+          </p:nvPr>
+        </p:nvSpPr>
+        <p:spPr/>
+        <p:txBody>
+          <a:bodyPr/>
+          <a:lstStyle/>
+          <a:p>
+            <a:r>
+              <a:rPr lang="en-US" dirty="0" smtClean="0"/>
+              <a:t>Node logging-agent</a:t>
+            </a:r>
+            <a:endParaRPr lang="x-none" dirty="0"/>
           </a:p>
         </p:txBody>
       </p:sp>
       <p:pic>
         <p:nvPicPr>
-          <p:cNvPr id="8" name="Afbeelding 7">
+          <p:cNvPr id="20" name="Afbeelding 19">
             <a:extLst>
               <a:ext uri="{FF2B5EF4-FFF2-40B4-BE49-F238E27FC236}">
-                <a16:creationId xmlns:a16="http://schemas.microsoft.com/office/drawing/2014/main" id="{6B853EF3-0ACA-4237-8D21-F40387216DCF}"/>
+                <a16:creationId xmlns="" xmlns:a16="http://schemas.microsoft.com/office/drawing/2014/main" id="{F4273D7C-A106-4B18-95BE-97403F14312D}"/>
               </a:ext>
             </a:extLst>
           </p:cNvPr>
@@ -6341,68 +9031,8 @@
         </p:blipFill>
         <p:spPr>
           <a:xfrm>
-            <a:off x="2994476" y="719564"/>
-            <a:ext cx="2027807" cy="1513056"/>
-          </a:xfrm>
-          <a:prstGeom prst="rect">
-            <a:avLst/>
-          </a:prstGeom>
-        </p:spPr>
-      </p:pic>
-      <p:pic>
-        <p:nvPicPr>
-          <p:cNvPr id="10" name="Afbeelding 9">
-            <a:extLst>
-              <a:ext uri="{FF2B5EF4-FFF2-40B4-BE49-F238E27FC236}">
-                <a16:creationId xmlns:a16="http://schemas.microsoft.com/office/drawing/2014/main" id="{049C95AC-25FF-42BF-9D6E-A95194A0EE7E}"/>
-              </a:ext>
-            </a:extLst>
-          </p:cNvPr>
-          <p:cNvPicPr>
-            <a:picLocks noChangeAspect="1"/>
-          </p:cNvPicPr>
-          <p:nvPr/>
-        </p:nvPicPr>
-        <p:blipFill>
-          <a:blip r:embed="rId3"/>
-          <a:stretch>
-            <a:fillRect/>
-          </a:stretch>
-        </p:blipFill>
-        <p:spPr>
-          <a:xfrm>
-            <a:off x="5135663" y="2277103"/>
-            <a:ext cx="2962275" cy="1543050"/>
-          </a:xfrm>
-          <a:prstGeom prst="rect">
-            <a:avLst/>
-          </a:prstGeom>
-        </p:spPr>
-      </p:pic>
-      <p:pic>
-        <p:nvPicPr>
-          <p:cNvPr id="12" name="Afbeelding 11">
-            <a:extLst>
-              <a:ext uri="{FF2B5EF4-FFF2-40B4-BE49-F238E27FC236}">
-                <a16:creationId xmlns:a16="http://schemas.microsoft.com/office/drawing/2014/main" id="{D693C44A-3AD9-4F3F-9424-FB7FAE040101}"/>
-              </a:ext>
-            </a:extLst>
-          </p:cNvPr>
-          <p:cNvPicPr>
-            <a:picLocks noChangeAspect="1"/>
-          </p:cNvPicPr>
-          <p:nvPr/>
-        </p:nvPicPr>
-        <p:blipFill>
-          <a:blip r:embed="rId4"/>
-          <a:stretch>
-            <a:fillRect/>
-          </a:stretch>
-        </p:blipFill>
-        <p:spPr>
-          <a:xfrm>
-            <a:off x="777078" y="2370341"/>
-            <a:ext cx="2762250" cy="1657350"/>
+            <a:off x="2004257" y="1053594"/>
+            <a:ext cx="4498734" cy="3143874"/>
           </a:xfrm>
           <a:prstGeom prst="rect">
             <a:avLst/>
@@ -6412,7 +9042,7 @@
     </p:spTree>
     <p:extLst>
       <p:ext uri="{BB962C8B-B14F-4D97-AF65-F5344CB8AC3E}">
-        <p14:creationId xmlns:p14="http://schemas.microsoft.com/office/powerpoint/2010/main" val="3528674440"/>
+        <p14:creationId xmlns:p14="http://schemas.microsoft.com/office/powerpoint/2010/main" val="1230526676"/>
       </p:ext>
     </p:extLst>
   </p:cSld>
@@ -6959,6 +9589,15 @@
 </file>
 
 <file path=customXml/item1.xml><?xml version="1.0" encoding="utf-8"?>
+<p:properties xmlns:p="http://schemas.microsoft.com/office/2006/metadata/properties" xmlns:xsi="http://www.w3.org/2001/XMLSchema-instance" xmlns:pc="http://schemas.microsoft.com/office/infopath/2007/PartnerControls">
+  <documentManagement>
+    <PublishingExpirationDate xmlns="http://schemas.microsoft.com/sharepoint/v3" xsi:nil="true"/>
+    <PublishingStartDate xmlns="http://schemas.microsoft.com/sharepoint/v3" xsi:nil="true"/>
+  </documentManagement>
+</p:properties>
+</file>
+
+<file path=customXml/item2.xml><?xml version="1.0" encoding="utf-8"?>
 <?mso-contentType ?>
 <FormTemplates xmlns="http://schemas.microsoft.com/sharepoint/v3/contenttype/forms">
   <Display>DocumentLibraryForm</Display>
@@ -6967,7 +9606,7 @@
 </FormTemplates>
 </file>
 
-<file path=customXml/item2.xml><?xml version="1.0" encoding="utf-8"?>
+<file path=customXml/item3.xml><?xml version="1.0" encoding="utf-8"?>
 <ct:contentTypeSchema xmlns:ct="http://schemas.microsoft.com/office/2006/metadata/contentType" xmlns:ma="http://schemas.microsoft.com/office/2006/metadata/properties/metaAttributes" ct:_="" ma:_="" ma:contentTypeName="Document" ma:contentTypeID="0x0101004DEB495D24965749AAFF9F94E5ED816C" ma:contentTypeVersion="1" ma:contentTypeDescription="Een nieuw document maken." ma:contentTypeScope="" ma:versionID="ec725cd57c691d5458ec54fa3f22bd53">
   <xsd:schema xmlns:xsd="http://www.w3.org/2001/XMLSchema" xmlns:xs="http://www.w3.org/2001/XMLSchema" xmlns:p="http://schemas.microsoft.com/office/2006/metadata/properties" xmlns:ns1="http://schemas.microsoft.com/sharepoint/v3" targetNamespace="http://schemas.microsoft.com/office/2006/metadata/properties" ma:root="true" ma:fieldsID="1965e00baaab3c268af8dd2e5cd1b731" ns1:_="">
     <xsd:import namespace="http://schemas.microsoft.com/sharepoint/v3"/>
@@ -7099,16 +9738,23 @@
 </ct:contentTypeSchema>
 </file>
 
-<file path=customXml/item3.xml><?xml version="1.0" encoding="utf-8"?>
-<p:properties xmlns:p="http://schemas.microsoft.com/office/2006/metadata/properties" xmlns:xsi="http://www.w3.org/2001/XMLSchema-instance" xmlns:pc="http://schemas.microsoft.com/office/infopath/2007/PartnerControls">
-  <documentManagement>
-    <PublishingExpirationDate xmlns="http://schemas.microsoft.com/sharepoint/v3" xsi:nil="true"/>
-    <PublishingStartDate xmlns="http://schemas.microsoft.com/sharepoint/v3" xsi:nil="true"/>
-  </documentManagement>
-</p:properties>
+<file path=customXml/itemProps1.xml><?xml version="1.0" encoding="utf-8"?>
+<ds:datastoreItem xmlns:ds="http://schemas.openxmlformats.org/officeDocument/2006/customXml" ds:itemID="{B175BA46-3D0D-41F1-AE2F-C4D793BC85EE}">
+  <ds:schemaRefs>
+    <ds:schemaRef ds:uri="http://schemas.microsoft.com/sharepoint/v3"/>
+    <ds:schemaRef ds:uri="http://purl.org/dc/terms/"/>
+    <ds:schemaRef ds:uri="http://schemas.openxmlformats.org/package/2006/metadata/core-properties"/>
+    <ds:schemaRef ds:uri="http://schemas.microsoft.com/office/2006/documentManagement/types"/>
+    <ds:schemaRef ds:uri="http://schemas.microsoft.com/office/infopath/2007/PartnerControls"/>
+    <ds:schemaRef ds:uri="http://purl.org/dc/elements/1.1/"/>
+    <ds:schemaRef ds:uri="http://schemas.microsoft.com/office/2006/metadata/properties"/>
+    <ds:schemaRef ds:uri="http://www.w3.org/XML/1998/namespace"/>
+    <ds:schemaRef ds:uri="http://purl.org/dc/dcmitype/"/>
+  </ds:schemaRefs>
+</ds:datastoreItem>
 </file>
 
-<file path=customXml/itemProps1.xml><?xml version="1.0" encoding="utf-8"?>
+<file path=customXml/itemProps2.xml><?xml version="1.0" encoding="utf-8"?>
 <ds:datastoreItem xmlns:ds="http://schemas.openxmlformats.org/officeDocument/2006/customXml" ds:itemID="{B92E8BBF-BAD7-438C-8C7D-21AF537AB6F7}">
   <ds:schemaRefs>
     <ds:schemaRef ds:uri="http://schemas.microsoft.com/sharepoint/v3/contenttype/forms"/>
@@ -7116,7 +9762,7 @@
 </ds:datastoreItem>
 </file>
 
-<file path=customXml/itemProps2.xml><?xml version="1.0" encoding="utf-8"?>
+<file path=customXml/itemProps3.xml><?xml version="1.0" encoding="utf-8"?>
 <ds:datastoreItem xmlns:ds="http://schemas.openxmlformats.org/officeDocument/2006/customXml" ds:itemID="{DEC4753B-0A76-4871-843C-D09176E05040}">
   <ds:schemaRefs>
     <ds:schemaRef ds:uri="http://schemas.microsoft.com/office/2006/metadata/contentType"/>
@@ -7132,20 +9778,4 @@
     <ds:schemaRef ds:uri="http://schemas.microsoft.com/internal/obd"/>
   </ds:schemaRefs>
 </ds:datastoreItem>
-</file>
-
-<file path=customXml/itemProps3.xml><?xml version="1.0" encoding="utf-8"?>
-<ds:datastoreItem xmlns:ds="http://schemas.openxmlformats.org/officeDocument/2006/customXml" ds:itemID="{B175BA46-3D0D-41F1-AE2F-C4D793BC85EE}">
-  <ds:schemaRefs>
-    <ds:schemaRef ds:uri="http://schemas.microsoft.com/sharepoint/v3"/>
-    <ds:schemaRef ds:uri="http://purl.org/dc/terms/"/>
-    <ds:schemaRef ds:uri="http://schemas.openxmlformats.org/package/2006/metadata/core-properties"/>
-    <ds:schemaRef ds:uri="http://schemas.microsoft.com/office/2006/documentManagement/types"/>
-    <ds:schemaRef ds:uri="http://schemas.microsoft.com/office/infopath/2007/PartnerControls"/>
-    <ds:schemaRef ds:uri="http://purl.org/dc/elements/1.1/"/>
-    <ds:schemaRef ds:uri="http://schemas.microsoft.com/office/2006/metadata/properties"/>
-    <ds:schemaRef ds:uri="http://www.w3.org/XML/1998/namespace"/>
-    <ds:schemaRef ds:uri="http://purl.org/dc/dcmitype/"/>
-  </ds:schemaRefs>
-</ds:datastoreItem>
 </file>